--- a/Präsentation - Butcher Cockpit.pptx
+++ b/Präsentation - Butcher Cockpit.pptx
@@ -14,11 +14,13 @@
     <p:sldId id="264" r:id="rId8"/>
     <p:sldId id="263" r:id="rId9"/>
     <p:sldId id="271" r:id="rId10"/>
-    <p:sldId id="265" r:id="rId11"/>
-    <p:sldId id="269" r:id="rId12"/>
-    <p:sldId id="268" r:id="rId13"/>
-    <p:sldId id="270" r:id="rId14"/>
-    <p:sldId id="267" r:id="rId15"/>
+    <p:sldId id="274" r:id="rId11"/>
+    <p:sldId id="265" r:id="rId12"/>
+    <p:sldId id="269" r:id="rId13"/>
+    <p:sldId id="268" r:id="rId14"/>
+    <p:sldId id="270" r:id="rId15"/>
+    <p:sldId id="275" r:id="rId16"/>
+    <p:sldId id="267" r:id="rId17"/>
   </p:sldIdLst>
   <p:sldSz cx="12192000" cy="6858000"/>
   <p:notesSz cx="6858000" cy="9144000"/>
@@ -5435,7 +5437,7 @@
                 <a:schemeClr val="accent1"/>
               </a:solidFill>
             </a:rPr>
-            <a:t>Demo Automat</a:t>
+            <a:t>Prototypen &amp; Demo Automat</a:t>
           </a:r>
         </a:p>
       </dgm:t>
@@ -5576,7 +5578,7 @@
                 <a:schemeClr val="accent1"/>
               </a:solidFill>
             </a:rPr>
-            <a:t>Demo Userinterface</a:t>
+            <a:t>Prototypen &amp; Demo Userinterface</a:t>
           </a:r>
         </a:p>
       </dgm:t>
@@ -5754,7 +5756,7 @@
         </a:solidFill>
       </dgm:spPr>
     </dgm:pt>
-    <dgm:pt modelId="{14B395D1-F8F9-8344-983E-859AB2957BCC}" type="pres">
+    <dgm:pt modelId="{013F979B-B364-3F48-9FB9-C998E2B55EF7}" type="pres">
       <dgm:prSet presAssocID="{E788EE91-94AC-8C46-9DD1-1F29B647EFFC}" presName="text_4" presStyleLbl="node1" presStyleIdx="3" presStyleCnt="6">
         <dgm:presLayoutVars>
           <dgm:bulletEnabled val="1"/>
@@ -5762,7 +5764,7 @@
       </dgm:prSet>
       <dgm:spPr/>
     </dgm:pt>
-    <dgm:pt modelId="{47F5B24C-845D-614D-9B12-ACD3C4D21045}" type="pres">
+    <dgm:pt modelId="{660A9490-DFF4-A84E-82BA-8DF2B553421F}" type="pres">
       <dgm:prSet presAssocID="{E788EE91-94AC-8C46-9DD1-1F29B647EFFC}" presName="accent_4" presStyleCnt="0"/>
       <dgm:spPr/>
     </dgm:pt>
@@ -5774,7 +5776,7 @@
         </a:solidFill>
       </dgm:spPr>
     </dgm:pt>
-    <dgm:pt modelId="{E6353C5A-E091-4747-80B5-DB3BD62D87A6}" type="pres">
+    <dgm:pt modelId="{60DD5132-449F-1049-97BD-B61842C125DC}" type="pres">
       <dgm:prSet presAssocID="{27E89522-710D-5A4A-BC80-B6D6B9B0CDAB}" presName="text_5" presStyleLbl="node1" presStyleIdx="4" presStyleCnt="6">
         <dgm:presLayoutVars>
           <dgm:bulletEnabled val="1"/>
@@ -5782,7 +5784,7 @@
       </dgm:prSet>
       <dgm:spPr/>
     </dgm:pt>
-    <dgm:pt modelId="{4FD9DD0E-586B-F549-8C08-9B024A69F493}" type="pres">
+    <dgm:pt modelId="{BEE48C8D-FACB-A649-A6D1-811055443E78}" type="pres">
       <dgm:prSet presAssocID="{27E89522-710D-5A4A-BC80-B6D6B9B0CDAB}" presName="accent_5" presStyleCnt="0"/>
       <dgm:spPr/>
     </dgm:pt>
@@ -5790,7 +5792,7 @@
       <dgm:prSet presAssocID="{27E89522-710D-5A4A-BC80-B6D6B9B0CDAB}" presName="accentRepeatNode" presStyleLbl="solidFgAcc1" presStyleIdx="4" presStyleCnt="6"/>
       <dgm:spPr/>
     </dgm:pt>
-    <dgm:pt modelId="{8E59B779-66E7-354C-855D-AB729614329C}" type="pres">
+    <dgm:pt modelId="{BF860410-7D25-744A-B909-4A34654B74D9}" type="pres">
       <dgm:prSet presAssocID="{ED75E409-1169-D044-9450-52FC97369883}" presName="text_6" presStyleLbl="node1" presStyleIdx="5" presStyleCnt="6">
         <dgm:presLayoutVars>
           <dgm:bulletEnabled val="1"/>
@@ -5798,7 +5800,7 @@
       </dgm:prSet>
       <dgm:spPr/>
     </dgm:pt>
-    <dgm:pt modelId="{09D60414-E256-374B-A319-37BC8D26448E}" type="pres">
+    <dgm:pt modelId="{26781558-D698-4D40-B54A-6AB8A496A793}" type="pres">
       <dgm:prSet presAssocID="{ED75E409-1169-D044-9450-52FC97369883}" presName="accent_6" presStyleCnt="0"/>
       <dgm:spPr/>
     </dgm:pt>
@@ -5812,16 +5814,16 @@
     <dgm:cxn modelId="{5372C416-3EC8-894A-B5FF-D4189D104930}" type="presOf" srcId="{CA63EE79-CBDD-7D4B-8F17-84CF3DC13483}" destId="{AE203C5B-2045-B44C-9569-19BA01E220B4}" srcOrd="0" destOrd="0" presId="urn:microsoft.com/office/officeart/2008/layout/VerticalCurvedList"/>
     <dgm:cxn modelId="{C8C8E529-30DD-4545-93C0-92D36BA4DF7F}" type="presOf" srcId="{BBDBD7EE-6769-E84F-9104-651F3F369723}" destId="{AA9E3355-7E65-694E-860A-1E5DDBA1141F}" srcOrd="0" destOrd="0" presId="urn:microsoft.com/office/officeart/2008/layout/VerticalCurvedList"/>
     <dgm:cxn modelId="{7245DE2D-68A9-854D-91A5-E58E967EA767}" srcId="{48DA7C42-779E-E541-9BEA-CA61836FB200}" destId="{27E89522-710D-5A4A-BC80-B6D6B9B0CDAB}" srcOrd="4" destOrd="0" parTransId="{32EC2523-6440-6F45-AAEA-75DA61AA8598}" sibTransId="{DCA5B02E-9E0B-4942-B029-28F0C0A86D37}"/>
+    <dgm:cxn modelId="{21410C30-CC1E-D548-BB83-B203E843CE38}" type="presOf" srcId="{27E89522-710D-5A4A-BC80-B6D6B9B0CDAB}" destId="{60DD5132-449F-1049-97BD-B61842C125DC}" srcOrd="0" destOrd="0" presId="urn:microsoft.com/office/officeart/2008/layout/VerticalCurvedList"/>
     <dgm:cxn modelId="{FC641B3D-8084-324E-B9D7-E4AC8B51E9D6}" srcId="{48DA7C42-779E-E541-9BEA-CA61836FB200}" destId="{3DAD809E-DAAF-1B45-9A8C-8BDA39A83BB9}" srcOrd="1" destOrd="0" parTransId="{227E7CDF-D713-7542-A4FA-5FAAB6A225B5}" sibTransId="{D0C53264-7508-6D4D-8FE0-B1C34155785D}"/>
     <dgm:cxn modelId="{4F67D23F-8759-DE49-BCCF-4CA46974AA97}" type="presOf" srcId="{7EFE4D7D-7071-DF40-A1B1-9FE68A9E51C2}" destId="{F0B0BB61-BFAA-8447-A02D-0F7ED66F4CF8}" srcOrd="0" destOrd="0" presId="urn:microsoft.com/office/officeart/2008/layout/VerticalCurvedList"/>
-    <dgm:cxn modelId="{65E91B44-57DA-B04C-BB58-68EF20FBB9DF}" type="presOf" srcId="{27E89522-710D-5A4A-BC80-B6D6B9B0CDAB}" destId="{E6353C5A-E091-4747-80B5-DB3BD62D87A6}" srcOrd="0" destOrd="0" presId="urn:microsoft.com/office/officeart/2008/layout/VerticalCurvedList"/>
-    <dgm:cxn modelId="{146AA37E-D100-6448-961A-1170F95A6E1B}" type="presOf" srcId="{E788EE91-94AC-8C46-9DD1-1F29B647EFFC}" destId="{14B395D1-F8F9-8344-983E-859AB2957BCC}" srcOrd="0" destOrd="0" presId="urn:microsoft.com/office/officeart/2008/layout/VerticalCurvedList"/>
     <dgm:cxn modelId="{155BB092-A7B8-6842-96D8-478869C8AD4E}" srcId="{48DA7C42-779E-E541-9BEA-CA61836FB200}" destId="{E788EE91-94AC-8C46-9DD1-1F29B647EFFC}" srcOrd="3" destOrd="0" parTransId="{FB3D980E-9406-6348-BF24-094B8E338AFC}" sibTransId="{7AAC5787-8D71-D049-8B29-6B191ABE110C}"/>
     <dgm:cxn modelId="{E3F5BA97-7E20-9C4D-9460-A67BD6663AD5}" type="presOf" srcId="{3DAD809E-DAAF-1B45-9A8C-8BDA39A83BB9}" destId="{788409FA-A5D7-4E40-9AA5-AA8B096FB870}" srcOrd="0" destOrd="0" presId="urn:microsoft.com/office/officeart/2008/layout/VerticalCurvedList"/>
     <dgm:cxn modelId="{7BAA0A9E-0127-C044-BB97-074FA83D5FA2}" type="presOf" srcId="{48DA7C42-779E-E541-9BEA-CA61836FB200}" destId="{66D70B38-8FFF-7F44-B3E8-499D4FABC383}" srcOrd="0" destOrd="0" presId="urn:microsoft.com/office/officeart/2008/layout/VerticalCurvedList"/>
-    <dgm:cxn modelId="{EB5B37AC-6523-BC43-8A16-36CF2DE1B8E8}" type="presOf" srcId="{ED75E409-1169-D044-9450-52FC97369883}" destId="{8E59B779-66E7-354C-855D-AB729614329C}" srcOrd="0" destOrd="0" presId="urn:microsoft.com/office/officeart/2008/layout/VerticalCurvedList"/>
+    <dgm:cxn modelId="{7B31D49E-1A4A-2A41-9AA9-2BA8AD64A847}" type="presOf" srcId="{ED75E409-1169-D044-9450-52FC97369883}" destId="{BF860410-7D25-744A-B909-4A34654B74D9}" srcOrd="0" destOrd="0" presId="urn:microsoft.com/office/officeart/2008/layout/VerticalCurvedList"/>
     <dgm:cxn modelId="{6F2A86BF-9D3E-2345-8C38-5C118376B585}" srcId="{48DA7C42-779E-E541-9BEA-CA61836FB200}" destId="{BBDBD7EE-6769-E84F-9104-651F3F369723}" srcOrd="2" destOrd="0" parTransId="{F0C0DF2F-4110-384B-819D-E6B2C9C92072}" sibTransId="{C96ABB6A-16DE-6B49-9C51-4A42C136A828}"/>
     <dgm:cxn modelId="{A2E1CECB-BDE0-1C46-821B-9C4DE7880784}" srcId="{48DA7C42-779E-E541-9BEA-CA61836FB200}" destId="{7EFE4D7D-7071-DF40-A1B1-9FE68A9E51C2}" srcOrd="0" destOrd="0" parTransId="{0E1FC0ED-C041-8C42-BFAB-3BE069CE46F2}" sibTransId="{CA63EE79-CBDD-7D4B-8F17-84CF3DC13483}"/>
+    <dgm:cxn modelId="{02D878EC-7470-E94C-8182-A10FFCA01D3C}" type="presOf" srcId="{E788EE91-94AC-8C46-9DD1-1F29B647EFFC}" destId="{013F979B-B364-3F48-9FB9-C998E2B55EF7}" srcOrd="0" destOrd="0" presId="urn:microsoft.com/office/officeart/2008/layout/VerticalCurvedList"/>
     <dgm:cxn modelId="{D0BE7935-3FDC-E24C-835E-7C465D885888}" type="presParOf" srcId="{66D70B38-8FFF-7F44-B3E8-499D4FABC383}" destId="{0148C7CD-B352-4947-AD7E-A81548793ED4}" srcOrd="0" destOrd="0" presId="urn:microsoft.com/office/officeart/2008/layout/VerticalCurvedList"/>
     <dgm:cxn modelId="{B0196BDE-8B72-2748-A699-864FD245E5AB}" type="presParOf" srcId="{0148C7CD-B352-4947-AD7E-A81548793ED4}" destId="{C17CD1CA-4B75-0840-9262-C97D4ABA3632}" srcOrd="0" destOrd="0" presId="urn:microsoft.com/office/officeart/2008/layout/VerticalCurvedList"/>
     <dgm:cxn modelId="{9F1D8AE8-C7AD-E747-A3BB-14E05B78ED78}" type="presParOf" srcId="{C17CD1CA-4B75-0840-9262-C97D4ABA3632}" destId="{235AD21A-1B87-6347-9CF7-55B563B264C5}" srcOrd="0" destOrd="0" presId="urn:microsoft.com/office/officeart/2008/layout/VerticalCurvedList"/>
@@ -5837,15 +5839,15 @@
     <dgm:cxn modelId="{E56E59C6-FD33-7D4F-BCA4-64C359AEA494}" type="presParOf" srcId="{0148C7CD-B352-4947-AD7E-A81548793ED4}" destId="{AA9E3355-7E65-694E-860A-1E5DDBA1141F}" srcOrd="5" destOrd="0" presId="urn:microsoft.com/office/officeart/2008/layout/VerticalCurvedList"/>
     <dgm:cxn modelId="{41C04905-3BE2-D547-B94B-5C103746BED4}" type="presParOf" srcId="{0148C7CD-B352-4947-AD7E-A81548793ED4}" destId="{1E8E01EA-9121-2241-A4C6-4693326F607F}" srcOrd="6" destOrd="0" presId="urn:microsoft.com/office/officeart/2008/layout/VerticalCurvedList"/>
     <dgm:cxn modelId="{C04DA4FF-D63F-7848-B87E-51CD9A55A58B}" type="presParOf" srcId="{1E8E01EA-9121-2241-A4C6-4693326F607F}" destId="{6F1E13B4-7011-234C-89D5-F5335DA8F7DA}" srcOrd="0" destOrd="0" presId="urn:microsoft.com/office/officeart/2008/layout/VerticalCurvedList"/>
-    <dgm:cxn modelId="{4AFDD8E1-D01B-AC41-9521-35E8D2D0E59B}" type="presParOf" srcId="{0148C7CD-B352-4947-AD7E-A81548793ED4}" destId="{14B395D1-F8F9-8344-983E-859AB2957BCC}" srcOrd="7" destOrd="0" presId="urn:microsoft.com/office/officeart/2008/layout/VerticalCurvedList"/>
-    <dgm:cxn modelId="{B92C8A92-2F23-4941-8104-3C0E513376CE}" type="presParOf" srcId="{0148C7CD-B352-4947-AD7E-A81548793ED4}" destId="{47F5B24C-845D-614D-9B12-ACD3C4D21045}" srcOrd="8" destOrd="0" presId="urn:microsoft.com/office/officeart/2008/layout/VerticalCurvedList"/>
-    <dgm:cxn modelId="{2394FDB5-A026-F54C-8095-2E800159AEEE}" type="presParOf" srcId="{47F5B24C-845D-614D-9B12-ACD3C4D21045}" destId="{EC920999-0F21-224E-903B-C2EECE6CAB75}" srcOrd="0" destOrd="0" presId="urn:microsoft.com/office/officeart/2008/layout/VerticalCurvedList"/>
-    <dgm:cxn modelId="{FE3A5F7E-AD45-1F43-946F-7FEC9B6D6F59}" type="presParOf" srcId="{0148C7CD-B352-4947-AD7E-A81548793ED4}" destId="{E6353C5A-E091-4747-80B5-DB3BD62D87A6}" srcOrd="9" destOrd="0" presId="urn:microsoft.com/office/officeart/2008/layout/VerticalCurvedList"/>
-    <dgm:cxn modelId="{1DD345EF-3AC8-3748-9E28-522DE6A6D3F8}" type="presParOf" srcId="{0148C7CD-B352-4947-AD7E-A81548793ED4}" destId="{4FD9DD0E-586B-F549-8C08-9B024A69F493}" srcOrd="10" destOrd="0" presId="urn:microsoft.com/office/officeart/2008/layout/VerticalCurvedList"/>
-    <dgm:cxn modelId="{7169F413-8E92-DE48-BF05-CCF7A0DF23DE}" type="presParOf" srcId="{4FD9DD0E-586B-F549-8C08-9B024A69F493}" destId="{F247E3B3-8FC9-7B46-A4E1-4100FCCE21FC}" srcOrd="0" destOrd="0" presId="urn:microsoft.com/office/officeart/2008/layout/VerticalCurvedList"/>
-    <dgm:cxn modelId="{53647A9C-5963-3047-A25B-700462B83329}" type="presParOf" srcId="{0148C7CD-B352-4947-AD7E-A81548793ED4}" destId="{8E59B779-66E7-354C-855D-AB729614329C}" srcOrd="11" destOrd="0" presId="urn:microsoft.com/office/officeart/2008/layout/VerticalCurvedList"/>
-    <dgm:cxn modelId="{DD0DEF87-4591-6E44-8827-812BA04BD9D7}" type="presParOf" srcId="{0148C7CD-B352-4947-AD7E-A81548793ED4}" destId="{09D60414-E256-374B-A319-37BC8D26448E}" srcOrd="12" destOrd="0" presId="urn:microsoft.com/office/officeart/2008/layout/VerticalCurvedList"/>
-    <dgm:cxn modelId="{1ACC9C20-6BF9-764B-8734-2614CE5E4C7D}" type="presParOf" srcId="{09D60414-E256-374B-A319-37BC8D26448E}" destId="{F3D418AA-B524-794F-9765-72838AFDCA98}" srcOrd="0" destOrd="0" presId="urn:microsoft.com/office/officeart/2008/layout/VerticalCurvedList"/>
+    <dgm:cxn modelId="{F7E8B561-5084-8646-A20A-191E9B305CED}" type="presParOf" srcId="{0148C7CD-B352-4947-AD7E-A81548793ED4}" destId="{013F979B-B364-3F48-9FB9-C998E2B55EF7}" srcOrd="7" destOrd="0" presId="urn:microsoft.com/office/officeart/2008/layout/VerticalCurvedList"/>
+    <dgm:cxn modelId="{2543351B-4672-4246-AEBC-8B440F7B2AB9}" type="presParOf" srcId="{0148C7CD-B352-4947-AD7E-A81548793ED4}" destId="{660A9490-DFF4-A84E-82BA-8DF2B553421F}" srcOrd="8" destOrd="0" presId="urn:microsoft.com/office/officeart/2008/layout/VerticalCurvedList"/>
+    <dgm:cxn modelId="{BB1D3CFE-308C-9740-B71A-55152AD951F7}" type="presParOf" srcId="{660A9490-DFF4-A84E-82BA-8DF2B553421F}" destId="{EC920999-0F21-224E-903B-C2EECE6CAB75}" srcOrd="0" destOrd="0" presId="urn:microsoft.com/office/officeart/2008/layout/VerticalCurvedList"/>
+    <dgm:cxn modelId="{62AA0BB3-5616-0F44-8674-85935B118245}" type="presParOf" srcId="{0148C7CD-B352-4947-AD7E-A81548793ED4}" destId="{60DD5132-449F-1049-97BD-B61842C125DC}" srcOrd="9" destOrd="0" presId="urn:microsoft.com/office/officeart/2008/layout/VerticalCurvedList"/>
+    <dgm:cxn modelId="{0D8DB619-34BE-3F49-92EC-9430B10DEB0A}" type="presParOf" srcId="{0148C7CD-B352-4947-AD7E-A81548793ED4}" destId="{BEE48C8D-FACB-A649-A6D1-811055443E78}" srcOrd="10" destOrd="0" presId="urn:microsoft.com/office/officeart/2008/layout/VerticalCurvedList"/>
+    <dgm:cxn modelId="{D77191BD-E3E9-E64F-96AA-82C71AE62D46}" type="presParOf" srcId="{BEE48C8D-FACB-A649-A6D1-811055443E78}" destId="{F247E3B3-8FC9-7B46-A4E1-4100FCCE21FC}" srcOrd="0" destOrd="0" presId="urn:microsoft.com/office/officeart/2008/layout/VerticalCurvedList"/>
+    <dgm:cxn modelId="{ED5698ED-0014-3043-A6AA-1AE29121A66C}" type="presParOf" srcId="{0148C7CD-B352-4947-AD7E-A81548793ED4}" destId="{BF860410-7D25-744A-B909-4A34654B74D9}" srcOrd="11" destOrd="0" presId="urn:microsoft.com/office/officeart/2008/layout/VerticalCurvedList"/>
+    <dgm:cxn modelId="{F374BF02-1F58-5C4A-91C7-B6B9FD96BFB1}" type="presParOf" srcId="{0148C7CD-B352-4947-AD7E-A81548793ED4}" destId="{26781558-D698-4D40-B54A-6AB8A496A793}" srcOrd="12" destOrd="0" presId="urn:microsoft.com/office/officeart/2008/layout/VerticalCurvedList"/>
+    <dgm:cxn modelId="{641CB63E-8E57-A248-9533-D7A544C87F2F}" type="presParOf" srcId="{26781558-D698-4D40-B54A-6AB8A496A793}" destId="{F3D418AA-B524-794F-9765-72838AFDCA98}" srcOrd="0" destOrd="0" presId="urn:microsoft.com/office/officeart/2008/layout/VerticalCurvedList"/>
   </dgm:cxnLst>
   <dgm:bg/>
   <dgm:whole/>
@@ -5938,7 +5940,7 @@
                 <a:schemeClr val="accent1"/>
               </a:solidFill>
             </a:rPr>
-            <a:t>Demo Automat</a:t>
+            <a:t>Prototypen &amp; Demo Automat</a:t>
           </a:r>
         </a:p>
       </dgm:t>
@@ -6079,7 +6081,7 @@
                 <a:schemeClr val="accent1"/>
               </a:solidFill>
             </a:rPr>
-            <a:t>Demo Userinterface</a:t>
+            <a:t>Prototypen &amp; Demo Userinterface</a:t>
           </a:r>
         </a:p>
       </dgm:t>
@@ -6441,7 +6443,7 @@
                 <a:schemeClr val="accent1"/>
               </a:solidFill>
             </a:rPr>
-            <a:t>Demo Automat</a:t>
+            <a:t>Prototypen &amp; Demo Automat</a:t>
           </a:r>
         </a:p>
       </dgm:t>
@@ -6582,7 +6584,7 @@
                 <a:schemeClr val="accent1"/>
               </a:solidFill>
             </a:rPr>
-            <a:t>Demo Userinterface</a:t>
+            <a:t>Prototypen &amp; Demo Userinterface</a:t>
           </a:r>
         </a:p>
       </dgm:t>
@@ -6944,7 +6946,7 @@
                 <a:schemeClr val="accent1"/>
               </a:solidFill>
             </a:rPr>
-            <a:t>Demo Automat</a:t>
+            <a:t>Prototypen &amp; Demo Automat</a:t>
           </a:r>
         </a:p>
       </dgm:t>
@@ -7085,7 +7087,7 @@
                 <a:schemeClr val="accent1"/>
               </a:solidFill>
             </a:rPr>
-            <a:t>Demo Userinterface</a:t>
+            <a:t>Prototypen &amp; Demo Userinterface</a:t>
           </a:r>
         </a:p>
       </dgm:t>
@@ -7447,7 +7449,7 @@
                 <a:schemeClr val="accent1"/>
               </a:solidFill>
             </a:rPr>
-            <a:t>Demo Automat</a:t>
+            <a:t>Prototypen &amp; Demo Automat</a:t>
           </a:r>
         </a:p>
       </dgm:t>
@@ -7588,7 +7590,7 @@
                 <a:schemeClr val="accent1"/>
               </a:solidFill>
             </a:rPr>
-            <a:t>Demo Userinterface</a:t>
+            <a:t>Prototypen &amp; Demo Userinterface</a:t>
           </a:r>
         </a:p>
       </dgm:t>
@@ -7950,7 +7952,7 @@
                 <a:schemeClr val="accent1"/>
               </a:solidFill>
             </a:rPr>
-            <a:t>Demo Automat</a:t>
+            <a:t>Prototypen &amp; Demo Automat</a:t>
           </a:r>
         </a:p>
       </dgm:t>
@@ -8091,7 +8093,7 @@
                 <a:schemeClr val="accent1"/>
               </a:solidFill>
             </a:rPr>
-            <a:t>Demo Userinterface</a:t>
+            <a:t>Prototypen &amp; Demo Userinterface</a:t>
           </a:r>
         </a:p>
       </dgm:t>
@@ -8457,7 +8459,7 @@
                 <a:schemeClr val="accent1"/>
               </a:solidFill>
             </a:rPr>
-            <a:t>Demo Automat</a:t>
+            <a:t>Prototypen &amp; Demo Automat</a:t>
           </a:r>
         </a:p>
       </dgm:t>
@@ -8598,7 +8600,7 @@
                 <a:schemeClr val="accent1"/>
               </a:solidFill>
             </a:rPr>
-            <a:t>Demo Userinterface</a:t>
+            <a:t>Prototypen Demo Userinterface</a:t>
           </a:r>
         </a:p>
       </dgm:t>
@@ -8812,7 +8814,7 @@
       <dgm:prSet presAssocID="{27E89522-710D-5A4A-BC80-B6D6B9B0CDAB}" presName="accentRepeatNode" presStyleLbl="solidFgAcc1" presStyleIdx="4" presStyleCnt="6"/>
       <dgm:spPr/>
     </dgm:pt>
-    <dgm:pt modelId="{8E59B779-66E7-354C-855D-AB729614329C}" type="pres">
+    <dgm:pt modelId="{F7872EDF-58D0-CD4E-ADAE-FEB008B1297A}" type="pres">
       <dgm:prSet presAssocID="{ED75E409-1169-D044-9450-52FC97369883}" presName="text_6" presStyleLbl="node1" presStyleIdx="5" presStyleCnt="6">
         <dgm:presLayoutVars>
           <dgm:bulletEnabled val="1"/>
@@ -8820,7 +8822,7 @@
       </dgm:prSet>
       <dgm:spPr/>
     </dgm:pt>
-    <dgm:pt modelId="{09D60414-E256-374B-A319-37BC8D26448E}" type="pres">
+    <dgm:pt modelId="{D3B26DDE-30F7-AC46-BD4B-394DFCE274D3}" type="pres">
       <dgm:prSet presAssocID="{ED75E409-1169-D044-9450-52FC97369883}" presName="accent_6" presStyleCnt="0"/>
       <dgm:spPr/>
     </dgm:pt>
@@ -8840,12 +8842,12 @@
     <dgm:cxn modelId="{FC641B3D-8084-324E-B9D7-E4AC8B51E9D6}" srcId="{48DA7C42-779E-E541-9BEA-CA61836FB200}" destId="{3DAD809E-DAAF-1B45-9A8C-8BDA39A83BB9}" srcOrd="1" destOrd="0" parTransId="{227E7CDF-D713-7542-A4FA-5FAAB6A225B5}" sibTransId="{D0C53264-7508-6D4D-8FE0-B1C34155785D}"/>
     <dgm:cxn modelId="{4F67D23F-8759-DE49-BCCF-4CA46974AA97}" type="presOf" srcId="{7EFE4D7D-7071-DF40-A1B1-9FE68A9E51C2}" destId="{F0B0BB61-BFAA-8447-A02D-0F7ED66F4CF8}" srcOrd="0" destOrd="0" presId="urn:microsoft.com/office/officeart/2008/layout/VerticalCurvedList"/>
     <dgm:cxn modelId="{65E91B44-57DA-B04C-BB58-68EF20FBB9DF}" type="presOf" srcId="{27E89522-710D-5A4A-BC80-B6D6B9B0CDAB}" destId="{E6353C5A-E091-4747-80B5-DB3BD62D87A6}" srcOrd="0" destOrd="0" presId="urn:microsoft.com/office/officeart/2008/layout/VerticalCurvedList"/>
+    <dgm:cxn modelId="{9C6E7449-715C-1740-9C33-BF13104F5164}" type="presOf" srcId="{ED75E409-1169-D044-9450-52FC97369883}" destId="{F7872EDF-58D0-CD4E-ADAE-FEB008B1297A}" srcOrd="0" destOrd="0" presId="urn:microsoft.com/office/officeart/2008/layout/VerticalCurvedList"/>
     <dgm:cxn modelId="{146AA37E-D100-6448-961A-1170F95A6E1B}" type="presOf" srcId="{E788EE91-94AC-8C46-9DD1-1F29B647EFFC}" destId="{14B395D1-F8F9-8344-983E-859AB2957BCC}" srcOrd="0" destOrd="0" presId="urn:microsoft.com/office/officeart/2008/layout/VerticalCurvedList"/>
     <dgm:cxn modelId="{B482C390-3F30-0C48-A0DF-F7C3B2399F5A}" type="presOf" srcId="{CA63EE79-CBDD-7D4B-8F17-84CF3DC13483}" destId="{AE203C5B-2045-B44C-9569-19BA01E220B4}" srcOrd="0" destOrd="0" presId="urn:microsoft.com/office/officeart/2008/layout/VerticalCurvedList"/>
     <dgm:cxn modelId="{155BB092-A7B8-6842-96D8-478869C8AD4E}" srcId="{48DA7C42-779E-E541-9BEA-CA61836FB200}" destId="{E788EE91-94AC-8C46-9DD1-1F29B647EFFC}" srcOrd="3" destOrd="0" parTransId="{FB3D980E-9406-6348-BF24-094B8E338AFC}" sibTransId="{7AAC5787-8D71-D049-8B29-6B191ABE110C}"/>
     <dgm:cxn modelId="{E3F5BA97-7E20-9C4D-9460-A67BD6663AD5}" type="presOf" srcId="{3DAD809E-DAAF-1B45-9A8C-8BDA39A83BB9}" destId="{788409FA-A5D7-4E40-9AA5-AA8B096FB870}" srcOrd="0" destOrd="0" presId="urn:microsoft.com/office/officeart/2008/layout/VerticalCurvedList"/>
     <dgm:cxn modelId="{7BAA0A9E-0127-C044-BB97-074FA83D5FA2}" type="presOf" srcId="{48DA7C42-779E-E541-9BEA-CA61836FB200}" destId="{66D70B38-8FFF-7F44-B3E8-499D4FABC383}" srcOrd="0" destOrd="0" presId="urn:microsoft.com/office/officeart/2008/layout/VerticalCurvedList"/>
-    <dgm:cxn modelId="{EB5B37AC-6523-BC43-8A16-36CF2DE1B8E8}" type="presOf" srcId="{ED75E409-1169-D044-9450-52FC97369883}" destId="{8E59B779-66E7-354C-855D-AB729614329C}" srcOrd="0" destOrd="0" presId="urn:microsoft.com/office/officeart/2008/layout/VerticalCurvedList"/>
     <dgm:cxn modelId="{6F2A86BF-9D3E-2345-8C38-5C118376B585}" srcId="{48DA7C42-779E-E541-9BEA-CA61836FB200}" destId="{BBDBD7EE-6769-E84F-9104-651F3F369723}" srcOrd="2" destOrd="0" parTransId="{F0C0DF2F-4110-384B-819D-E6B2C9C92072}" sibTransId="{C96ABB6A-16DE-6B49-9C51-4A42C136A828}"/>
     <dgm:cxn modelId="{A2E1CECB-BDE0-1C46-821B-9C4DE7880784}" srcId="{48DA7C42-779E-E541-9BEA-CA61836FB200}" destId="{7EFE4D7D-7071-DF40-A1B1-9FE68A9E51C2}" srcOrd="0" destOrd="0" parTransId="{0E1FC0ED-C041-8C42-BFAB-3BE069CE46F2}" sibTransId="{CA63EE79-CBDD-7D4B-8F17-84CF3DC13483}"/>
     <dgm:cxn modelId="{D0BE7935-3FDC-E24C-835E-7C465D885888}" type="presParOf" srcId="{66D70B38-8FFF-7F44-B3E8-499D4FABC383}" destId="{0148C7CD-B352-4947-AD7E-A81548793ED4}" srcOrd="0" destOrd="0" presId="urn:microsoft.com/office/officeart/2008/layout/VerticalCurvedList"/>
@@ -8869,9 +8871,9 @@
     <dgm:cxn modelId="{FE3A5F7E-AD45-1F43-946F-7FEC9B6D6F59}" type="presParOf" srcId="{0148C7CD-B352-4947-AD7E-A81548793ED4}" destId="{E6353C5A-E091-4747-80B5-DB3BD62D87A6}" srcOrd="9" destOrd="0" presId="urn:microsoft.com/office/officeart/2008/layout/VerticalCurvedList"/>
     <dgm:cxn modelId="{1DD345EF-3AC8-3748-9E28-522DE6A6D3F8}" type="presParOf" srcId="{0148C7CD-B352-4947-AD7E-A81548793ED4}" destId="{4FD9DD0E-586B-F549-8C08-9B024A69F493}" srcOrd="10" destOrd="0" presId="urn:microsoft.com/office/officeart/2008/layout/VerticalCurvedList"/>
     <dgm:cxn modelId="{7169F413-8E92-DE48-BF05-CCF7A0DF23DE}" type="presParOf" srcId="{4FD9DD0E-586B-F549-8C08-9B024A69F493}" destId="{F247E3B3-8FC9-7B46-A4E1-4100FCCE21FC}" srcOrd="0" destOrd="0" presId="urn:microsoft.com/office/officeart/2008/layout/VerticalCurvedList"/>
-    <dgm:cxn modelId="{53647A9C-5963-3047-A25B-700462B83329}" type="presParOf" srcId="{0148C7CD-B352-4947-AD7E-A81548793ED4}" destId="{8E59B779-66E7-354C-855D-AB729614329C}" srcOrd="11" destOrd="0" presId="urn:microsoft.com/office/officeart/2008/layout/VerticalCurvedList"/>
-    <dgm:cxn modelId="{DD0DEF87-4591-6E44-8827-812BA04BD9D7}" type="presParOf" srcId="{0148C7CD-B352-4947-AD7E-A81548793ED4}" destId="{09D60414-E256-374B-A319-37BC8D26448E}" srcOrd="12" destOrd="0" presId="urn:microsoft.com/office/officeart/2008/layout/VerticalCurvedList"/>
-    <dgm:cxn modelId="{1ACC9C20-6BF9-764B-8734-2614CE5E4C7D}" type="presParOf" srcId="{09D60414-E256-374B-A319-37BC8D26448E}" destId="{F3D418AA-B524-794F-9765-72838AFDCA98}" srcOrd="0" destOrd="0" presId="urn:microsoft.com/office/officeart/2008/layout/VerticalCurvedList"/>
+    <dgm:cxn modelId="{2FA790C2-96E6-F740-803C-E1EC7D71B97F}" type="presParOf" srcId="{0148C7CD-B352-4947-AD7E-A81548793ED4}" destId="{F7872EDF-58D0-CD4E-ADAE-FEB008B1297A}" srcOrd="11" destOrd="0" presId="urn:microsoft.com/office/officeart/2008/layout/VerticalCurvedList"/>
+    <dgm:cxn modelId="{03E98396-9E95-DD4A-9225-87B1A346CC8E}" type="presParOf" srcId="{0148C7CD-B352-4947-AD7E-A81548793ED4}" destId="{D3B26DDE-30F7-AC46-BD4B-394DFCE274D3}" srcOrd="12" destOrd="0" presId="urn:microsoft.com/office/officeart/2008/layout/VerticalCurvedList"/>
+    <dgm:cxn modelId="{B8221B39-7B0F-324C-A1D5-5331D5D7AFFE}" type="presParOf" srcId="{D3B26DDE-30F7-AC46-BD4B-394DFCE274D3}" destId="{F3D418AA-B524-794F-9765-72838AFDCA98}" srcOrd="0" destOrd="0" presId="urn:microsoft.com/office/officeart/2008/layout/VerticalCurvedList"/>
   </dgm:cxnLst>
   <dgm:bg>
     <a:solidFill>
@@ -8902,14 +8904,14 @@
       </dsp:nvSpPr>
       <dsp:spPr>
         <a:xfrm>
-          <a:off x="-4703714" y="-721036"/>
-          <a:ext cx="5602749" cy="5602749"/>
+          <a:off x="-5444953" y="-833724"/>
+          <a:ext cx="6483288" cy="6483288"/>
         </a:xfrm>
         <a:prstGeom prst="blockArc">
           <a:avLst>
             <a:gd name="adj1" fmla="val 18900000"/>
             <a:gd name="adj2" fmla="val 2700000"/>
-            <a:gd name="adj3" fmla="val 386"/>
+            <a:gd name="adj3" fmla="val 333"/>
           </a:avLst>
         </a:prstGeom>
         <a:noFill/>
@@ -8948,8 +8950,8 @@
       </dsp:nvSpPr>
       <dsp:spPr>
         <a:xfrm>
-          <a:off x="335638" y="219101"/>
-          <a:ext cx="6818295" cy="438036"/>
+          <a:off x="387072" y="253602"/>
+          <a:ext cx="6708666" cy="507011"/>
         </a:xfrm>
         <a:prstGeom prst="rect">
           <a:avLst/>
@@ -8979,12 +8981,12 @@
         </a:fontRef>
       </dsp:style>
       <dsp:txBody>
-        <a:bodyPr spcFirstLastPara="0" vert="horz" wrap="square" lIns="347691" tIns="58420" rIns="58420" bIns="58420" numCol="1" spcCol="1270" anchor="ctr" anchorCtr="0">
+        <a:bodyPr spcFirstLastPara="0" vert="horz" wrap="square" lIns="402440" tIns="66040" rIns="66040" bIns="66040" numCol="1" spcCol="1270" anchor="ctr" anchorCtr="0">
           <a:noAutofit/>
         </a:bodyPr>
         <a:lstStyle/>
         <a:p>
-          <a:pPr marL="0" lvl="0" indent="0" algn="l" defTabSz="1022350">
+          <a:pPr marL="0" lvl="0" indent="0" algn="l" defTabSz="1155700">
             <a:lnSpc>
               <a:spcPct val="90000"/>
             </a:lnSpc>
@@ -8997,7 +8999,7 @@
             <a:buNone/>
           </a:pPr>
           <a:r>
-            <a:rPr lang="de-DE" sz="2300" b="1" kern="1200" dirty="0">
+            <a:rPr lang="de-DE" sz="2600" b="1" kern="1200" dirty="0">
               <a:solidFill>
                 <a:schemeClr val="accent1"/>
               </a:solidFill>
@@ -9007,8 +9009,8 @@
         </a:p>
       </dsp:txBody>
       <dsp:txXfrm>
-        <a:off x="335638" y="219101"/>
-        <a:ext cx="6818295" cy="438036"/>
+        <a:off x="387072" y="253602"/>
+        <a:ext cx="6708666" cy="507011"/>
       </dsp:txXfrm>
     </dsp:sp>
     <dsp:sp modelId="{460A7702-54FA-9449-9C81-8CF04AACCDDF}">
@@ -9018,8 +9020,8 @@
       </dsp:nvSpPr>
       <dsp:spPr>
         <a:xfrm>
-          <a:off x="61865" y="164346"/>
-          <a:ext cx="547545" cy="547545"/>
+          <a:off x="70190" y="190225"/>
+          <a:ext cx="633764" cy="633764"/>
         </a:xfrm>
         <a:prstGeom prst="ellipse">
           <a:avLst/>
@@ -9061,8 +9063,8 @@
       </dsp:nvSpPr>
       <dsp:spPr>
         <a:xfrm>
-          <a:off x="695952" y="876072"/>
-          <a:ext cx="6457980" cy="438036"/>
+          <a:off x="804124" y="1014023"/>
+          <a:ext cx="6291614" cy="507011"/>
         </a:xfrm>
         <a:prstGeom prst="rect">
           <a:avLst/>
@@ -9092,12 +9094,12 @@
         </a:fontRef>
       </dsp:style>
       <dsp:txBody>
-        <a:bodyPr spcFirstLastPara="0" vert="horz" wrap="square" lIns="347691" tIns="58420" rIns="58420" bIns="58420" numCol="1" spcCol="1270" anchor="ctr" anchorCtr="0">
+        <a:bodyPr spcFirstLastPara="0" vert="horz" wrap="square" lIns="402440" tIns="66040" rIns="66040" bIns="66040" numCol="1" spcCol="1270" anchor="ctr" anchorCtr="0">
           <a:noAutofit/>
         </a:bodyPr>
         <a:lstStyle/>
         <a:p>
-          <a:pPr marL="0" lvl="0" indent="0" algn="l" defTabSz="1022350">
+          <a:pPr marL="0" lvl="0" indent="0" algn="l" defTabSz="1155700">
             <a:lnSpc>
               <a:spcPct val="90000"/>
             </a:lnSpc>
@@ -9110,7 +9112,7 @@
             <a:buNone/>
           </a:pPr>
           <a:r>
-            <a:rPr lang="de-DE" sz="2300" b="1" kern="1200" dirty="0">
+            <a:rPr lang="de-DE" sz="2600" b="1" kern="1200" dirty="0">
               <a:solidFill>
                 <a:schemeClr val="accent1"/>
               </a:solidFill>
@@ -9120,8 +9122,8 @@
         </a:p>
       </dsp:txBody>
       <dsp:txXfrm>
-        <a:off x="695952" y="876072"/>
-        <a:ext cx="6457980" cy="438036"/>
+        <a:off x="804124" y="1014023"/>
+        <a:ext cx="6291614" cy="507011"/>
       </dsp:txXfrm>
     </dsp:sp>
     <dsp:sp modelId="{0A10B2EA-6F06-1541-85FF-9C145BDCFA6F}">
@@ -9131,8 +9133,8 @@
       </dsp:nvSpPr>
       <dsp:spPr>
         <a:xfrm>
-          <a:off x="422180" y="821317"/>
-          <a:ext cx="547545" cy="547545"/>
+          <a:off x="487242" y="950646"/>
+          <a:ext cx="633764" cy="633764"/>
         </a:xfrm>
         <a:prstGeom prst="ellipse">
           <a:avLst/>
@@ -9174,8 +9176,8 @@
       </dsp:nvSpPr>
       <dsp:spPr>
         <a:xfrm>
-          <a:off x="860715" y="1533043"/>
-          <a:ext cx="6293217" cy="438036"/>
+          <a:off x="994831" y="1774444"/>
+          <a:ext cx="6100907" cy="507011"/>
         </a:xfrm>
         <a:prstGeom prst="rect">
           <a:avLst/>
@@ -9205,12 +9207,12 @@
         </a:fontRef>
       </dsp:style>
       <dsp:txBody>
-        <a:bodyPr spcFirstLastPara="0" vert="horz" wrap="square" lIns="347691" tIns="58420" rIns="58420" bIns="58420" numCol="1" spcCol="1270" anchor="ctr" anchorCtr="0">
+        <a:bodyPr spcFirstLastPara="0" vert="horz" wrap="square" lIns="402440" tIns="66040" rIns="66040" bIns="66040" numCol="1" spcCol="1270" anchor="ctr" anchorCtr="0">
           <a:noAutofit/>
         </a:bodyPr>
         <a:lstStyle/>
         <a:p>
-          <a:pPr marL="0" lvl="0" indent="0" algn="l" defTabSz="1022350">
+          <a:pPr marL="0" lvl="0" indent="0" algn="l" defTabSz="1155700">
             <a:lnSpc>
               <a:spcPct val="90000"/>
             </a:lnSpc>
@@ -9223,7 +9225,7 @@
             <a:buNone/>
           </a:pPr>
           <a:r>
-            <a:rPr lang="de-DE" sz="2300" b="1" kern="1200" dirty="0">
+            <a:rPr lang="de-DE" sz="2600" b="1" kern="1200" dirty="0">
               <a:solidFill>
                 <a:schemeClr val="accent1"/>
               </a:solidFill>
@@ -9233,8 +9235,8 @@
         </a:p>
       </dsp:txBody>
       <dsp:txXfrm>
-        <a:off x="860715" y="1533043"/>
-        <a:ext cx="6293217" cy="438036"/>
+        <a:off x="994831" y="1774444"/>
+        <a:ext cx="6100907" cy="507011"/>
       </dsp:txXfrm>
     </dsp:sp>
     <dsp:sp modelId="{6F1E13B4-7011-234C-89D5-F5335DA8F7DA}">
@@ -9244,8 +9246,8 @@
       </dsp:nvSpPr>
       <dsp:spPr>
         <a:xfrm>
-          <a:off x="586943" y="1478288"/>
-          <a:ext cx="547545" cy="547545"/>
+          <a:off x="677949" y="1711067"/>
+          <a:ext cx="633764" cy="633764"/>
         </a:xfrm>
         <a:prstGeom prst="ellipse">
           <a:avLst/>
@@ -9280,15 +9282,15 @@
         <a:fontRef idx="minor"/>
       </dsp:style>
     </dsp:sp>
-    <dsp:sp modelId="{14B395D1-F8F9-8344-983E-859AB2957BCC}">
+    <dsp:sp modelId="{013F979B-B364-3F48-9FB9-C998E2B55EF7}">
       <dsp:nvSpPr>
         <dsp:cNvPr id="0" name=""/>
         <dsp:cNvSpPr/>
       </dsp:nvSpPr>
       <dsp:spPr>
         <a:xfrm>
-          <a:off x="860715" y="2189597"/>
-          <a:ext cx="6293217" cy="438036"/>
+          <a:off x="994831" y="2534383"/>
+          <a:ext cx="6100907" cy="507011"/>
         </a:xfrm>
         <a:prstGeom prst="rect">
           <a:avLst/>
@@ -9318,12 +9320,12 @@
         </a:fontRef>
       </dsp:style>
       <dsp:txBody>
-        <a:bodyPr spcFirstLastPara="0" vert="horz" wrap="square" lIns="347691" tIns="58420" rIns="58420" bIns="58420" numCol="1" spcCol="1270" anchor="ctr" anchorCtr="0">
+        <a:bodyPr spcFirstLastPara="0" vert="horz" wrap="square" lIns="402440" tIns="66040" rIns="66040" bIns="66040" numCol="1" spcCol="1270" anchor="ctr" anchorCtr="0">
           <a:noAutofit/>
         </a:bodyPr>
         <a:lstStyle/>
         <a:p>
-          <a:pPr marL="0" lvl="0" indent="0" algn="l" defTabSz="1022350">
+          <a:pPr marL="0" lvl="0" indent="0" algn="l" defTabSz="1155700">
             <a:lnSpc>
               <a:spcPct val="90000"/>
             </a:lnSpc>
@@ -9336,18 +9338,18 @@
             <a:buNone/>
           </a:pPr>
           <a:r>
-            <a:rPr lang="de-DE" sz="2300" b="1" kern="1200" dirty="0">
+            <a:rPr lang="de-DE" sz="2600" b="1" kern="1200" dirty="0">
               <a:solidFill>
                 <a:schemeClr val="accent1"/>
               </a:solidFill>
             </a:rPr>
-            <a:t>Demo Userinterface</a:t>
+            <a:t>Prototypen &amp; Demo Userinterface</a:t>
           </a:r>
         </a:p>
       </dsp:txBody>
       <dsp:txXfrm>
-        <a:off x="860715" y="2189597"/>
-        <a:ext cx="6293217" cy="438036"/>
+        <a:off x="994831" y="2534383"/>
+        <a:ext cx="6100907" cy="507011"/>
       </dsp:txXfrm>
     </dsp:sp>
     <dsp:sp modelId="{EC920999-0F21-224E-903B-C2EECE6CAB75}">
@@ -9357,8 +9359,8 @@
       </dsp:nvSpPr>
       <dsp:spPr>
         <a:xfrm>
-          <a:off x="586943" y="2134843"/>
-          <a:ext cx="547545" cy="547545"/>
+          <a:off x="677949" y="2471007"/>
+          <a:ext cx="633764" cy="633764"/>
         </a:xfrm>
         <a:prstGeom prst="ellipse">
           <a:avLst/>
@@ -9393,15 +9395,15 @@
         <a:fontRef idx="minor"/>
       </dsp:style>
     </dsp:sp>
-    <dsp:sp modelId="{E6353C5A-E091-4747-80B5-DB3BD62D87A6}">
+    <dsp:sp modelId="{60DD5132-449F-1049-97BD-B61842C125DC}">
       <dsp:nvSpPr>
         <dsp:cNvPr id="0" name=""/>
         <dsp:cNvSpPr/>
       </dsp:nvSpPr>
       <dsp:spPr>
         <a:xfrm>
-          <a:off x="695952" y="2846568"/>
-          <a:ext cx="6457980" cy="438036"/>
+          <a:off x="804124" y="3294805"/>
+          <a:ext cx="6291614" cy="507011"/>
         </a:xfrm>
         <a:prstGeom prst="rect">
           <a:avLst/>
@@ -9433,12 +9435,12 @@
         </a:fontRef>
       </dsp:style>
       <dsp:txBody>
-        <a:bodyPr spcFirstLastPara="0" vert="horz" wrap="square" lIns="347691" tIns="58420" rIns="58420" bIns="58420" numCol="1" spcCol="1270" anchor="ctr" anchorCtr="0">
+        <a:bodyPr spcFirstLastPara="0" vert="horz" wrap="square" lIns="402440" tIns="66040" rIns="66040" bIns="66040" numCol="1" spcCol="1270" anchor="ctr" anchorCtr="0">
           <a:noAutofit/>
         </a:bodyPr>
         <a:lstStyle/>
         <a:p>
-          <a:pPr marL="0" lvl="0" indent="0" algn="l" defTabSz="1022350">
+          <a:pPr marL="0" lvl="0" indent="0" algn="l" defTabSz="1155700">
             <a:lnSpc>
               <a:spcPct val="90000"/>
             </a:lnSpc>
@@ -9451,7 +9453,7 @@
             <a:buNone/>
           </a:pPr>
           <a:r>
-            <a:rPr lang="de-DE" sz="2300" b="1" kern="1200" dirty="0">
+            <a:rPr lang="de-DE" sz="2600" b="1" kern="1200" dirty="0">
               <a:solidFill>
                 <a:schemeClr val="accent1"/>
               </a:solidFill>
@@ -9461,8 +9463,8 @@
         </a:p>
       </dsp:txBody>
       <dsp:txXfrm>
-        <a:off x="695952" y="2846568"/>
-        <a:ext cx="6457980" cy="438036"/>
+        <a:off x="804124" y="3294805"/>
+        <a:ext cx="6291614" cy="507011"/>
       </dsp:txXfrm>
     </dsp:sp>
     <dsp:sp modelId="{F247E3B3-8FC9-7B46-A4E1-4100FCCE21FC}">
@@ -9472,8 +9474,8 @@
       </dsp:nvSpPr>
       <dsp:spPr>
         <a:xfrm>
-          <a:off x="422180" y="2791814"/>
-          <a:ext cx="547545" cy="547545"/>
+          <a:off x="487242" y="3231428"/>
+          <a:ext cx="633764" cy="633764"/>
         </a:xfrm>
         <a:prstGeom prst="ellipse">
           <a:avLst/>
@@ -9513,15 +9515,15 @@
         <a:fontRef idx="minor"/>
       </dsp:style>
     </dsp:sp>
-    <dsp:sp modelId="{8E59B779-66E7-354C-855D-AB729614329C}">
+    <dsp:sp modelId="{BF860410-7D25-744A-B909-4A34654B74D9}">
       <dsp:nvSpPr>
         <dsp:cNvPr id="0" name=""/>
         <dsp:cNvSpPr/>
       </dsp:nvSpPr>
       <dsp:spPr>
         <a:xfrm>
-          <a:off x="335638" y="3503539"/>
-          <a:ext cx="6818295" cy="438036"/>
+          <a:off x="387072" y="4055226"/>
+          <a:ext cx="6708666" cy="507011"/>
         </a:xfrm>
         <a:prstGeom prst="rect">
           <a:avLst/>
@@ -9551,12 +9553,12 @@
         </a:fontRef>
       </dsp:style>
       <dsp:txBody>
-        <a:bodyPr spcFirstLastPara="0" vert="horz" wrap="square" lIns="347691" tIns="58420" rIns="58420" bIns="58420" numCol="1" spcCol="1270" anchor="ctr" anchorCtr="0">
+        <a:bodyPr spcFirstLastPara="0" vert="horz" wrap="square" lIns="402440" tIns="66040" rIns="66040" bIns="66040" numCol="1" spcCol="1270" anchor="ctr" anchorCtr="0">
           <a:noAutofit/>
         </a:bodyPr>
         <a:lstStyle/>
         <a:p>
-          <a:pPr marL="0" lvl="0" indent="0" algn="l" defTabSz="1022350">
+          <a:pPr marL="0" lvl="0" indent="0" algn="l" defTabSz="1155700">
             <a:lnSpc>
               <a:spcPct val="90000"/>
             </a:lnSpc>
@@ -9569,18 +9571,18 @@
             <a:buNone/>
           </a:pPr>
           <a:r>
-            <a:rPr lang="de-DE" sz="2300" b="1" kern="1200" dirty="0">
+            <a:rPr lang="de-DE" sz="2600" b="1" kern="1200" dirty="0">
               <a:solidFill>
                 <a:schemeClr val="accent1"/>
               </a:solidFill>
             </a:rPr>
-            <a:t>Demo Automat</a:t>
+            <a:t>Prototypen &amp; Demo Automat</a:t>
           </a:r>
         </a:p>
       </dsp:txBody>
       <dsp:txXfrm>
-        <a:off x="335638" y="3503539"/>
-        <a:ext cx="6818295" cy="438036"/>
+        <a:off x="387072" y="4055226"/>
+        <a:ext cx="6708666" cy="507011"/>
       </dsp:txXfrm>
     </dsp:sp>
     <dsp:sp modelId="{F3D418AA-B524-794F-9765-72838AFDCA98}">
@@ -9590,8 +9592,8 @@
       </dsp:nvSpPr>
       <dsp:spPr>
         <a:xfrm>
-          <a:off x="61865" y="3448785"/>
-          <a:ext cx="547545" cy="547545"/>
+          <a:off x="70190" y="3991849"/>
+          <a:ext cx="633764" cy="633764"/>
         </a:xfrm>
         <a:prstGeom prst="ellipse">
           <a:avLst/>
@@ -10089,7 +10091,7 @@
                 <a:schemeClr val="accent1"/>
               </a:solidFill>
             </a:rPr>
-            <a:t>Demo Userinterface</a:t>
+            <a:t>Prototypen &amp; Demo Userinterface</a:t>
           </a:r>
         </a:p>
       </dsp:txBody>
@@ -10322,7 +10324,7 @@
                 <a:schemeClr val="accent1"/>
               </a:solidFill>
             </a:rPr>
-            <a:t>Demo Automat</a:t>
+            <a:t>Prototypen &amp; Demo Automat</a:t>
           </a:r>
         </a:p>
       </dsp:txBody>
@@ -10837,7 +10839,7 @@
                 <a:schemeClr val="accent1"/>
               </a:solidFill>
             </a:rPr>
-            <a:t>Demo Userinterface</a:t>
+            <a:t>Prototypen &amp; Demo Userinterface</a:t>
           </a:r>
         </a:p>
       </dsp:txBody>
@@ -11070,7 +11072,7 @@
                 <a:schemeClr val="accent1"/>
               </a:solidFill>
             </a:rPr>
-            <a:t>Demo Automat</a:t>
+            <a:t>Prototypen &amp; Demo Automat</a:t>
           </a:r>
         </a:p>
       </dsp:txBody>
@@ -11585,7 +11587,7 @@
                 <a:schemeClr val="accent1"/>
               </a:solidFill>
             </a:rPr>
-            <a:t>Demo Userinterface</a:t>
+            <a:t>Prototypen &amp; Demo Userinterface</a:t>
           </a:r>
         </a:p>
       </dsp:txBody>
@@ -11818,7 +11820,7 @@
                 <a:schemeClr val="accent1"/>
               </a:solidFill>
             </a:rPr>
-            <a:t>Demo Automat</a:t>
+            <a:t>Prototypen &amp; Demo Automat</a:t>
           </a:r>
         </a:p>
       </dsp:txBody>
@@ -12333,7 +12335,7 @@
                 <a:schemeClr val="accent1"/>
               </a:solidFill>
             </a:rPr>
-            <a:t>Demo Userinterface</a:t>
+            <a:t>Prototypen &amp; Demo Userinterface</a:t>
           </a:r>
         </a:p>
       </dsp:txBody>
@@ -12566,7 +12568,7 @@
                 <a:schemeClr val="accent1"/>
               </a:solidFill>
             </a:rPr>
-            <a:t>Demo Automat</a:t>
+            <a:t>Prototypen &amp; Demo Automat</a:t>
           </a:r>
         </a:p>
       </dsp:txBody>
@@ -13081,7 +13083,7 @@
                 <a:schemeClr val="accent1"/>
               </a:solidFill>
             </a:rPr>
-            <a:t>Demo Userinterface</a:t>
+            <a:t>Prototypen &amp; Demo Userinterface</a:t>
           </a:r>
         </a:p>
       </dsp:txBody>
@@ -13309,7 +13311,7 @@
                 <a:schemeClr val="accent1"/>
               </a:solidFill>
             </a:rPr>
-            <a:t>Demo Automat</a:t>
+            <a:t>Prototypen &amp; Demo Automat</a:t>
           </a:r>
         </a:p>
       </dsp:txBody>
@@ -13824,7 +13826,7 @@
                 <a:schemeClr val="accent1"/>
               </a:solidFill>
             </a:rPr>
-            <a:t>Demo Userinterface</a:t>
+            <a:t>Prototypen Demo Userinterface</a:t>
           </a:r>
         </a:p>
       </dsp:txBody>
@@ -13996,7 +13998,7 @@
         <a:fontRef idx="minor"/>
       </dsp:style>
     </dsp:sp>
-    <dsp:sp modelId="{8E59B779-66E7-354C-855D-AB729614329C}">
+    <dsp:sp modelId="{F7872EDF-58D0-CD4E-ADAE-FEB008B1297A}">
       <dsp:nvSpPr>
         <dsp:cNvPr id="0" name=""/>
         <dsp:cNvSpPr/>
@@ -14057,7 +14059,7 @@
                 <a:schemeClr val="accent1"/>
               </a:solidFill>
             </a:rPr>
-            <a:t>Demo Automat</a:t>
+            <a:t>Prototypen &amp; Demo Automat</a:t>
           </a:r>
         </a:p>
       </dsp:txBody>
@@ -37827,6 +37829,144 @@
               <a:rPr lang="de-DE" b="1" dirty="0">
                 <a:latin typeface="+mn-lt"/>
               </a:rPr>
+              <a:t>Prototyp Metzger Perspektive</a:t>
+            </a:r>
+          </a:p>
+        </p:txBody>
+      </p:sp>
+      <p:pic>
+        <p:nvPicPr>
+          <p:cNvPr id="6" name="Picture 4">
+            <a:extLst>
+              <a:ext uri="{FF2B5EF4-FFF2-40B4-BE49-F238E27FC236}">
+                <a16:creationId xmlns:a16="http://schemas.microsoft.com/office/drawing/2014/main" id="{39F5CB9A-EF02-C44B-8BFE-E326362313E8}"/>
+              </a:ext>
+            </a:extLst>
+          </p:cNvPr>
+          <p:cNvPicPr/>
+          <p:nvPr/>
+        </p:nvPicPr>
+        <p:blipFill>
+          <a:blip r:embed="rId2">
+            <a:extLst>
+              <a:ext uri="{28A0092B-C50C-407E-A947-70E740481C1C}">
+                <a14:useLocalDpi xmlns:a14="http://schemas.microsoft.com/office/drawing/2010/main" val="0"/>
+              </a:ext>
+            </a:extLst>
+          </a:blip>
+          <a:stretch>
+            <a:fillRect/>
+          </a:stretch>
+        </p:blipFill>
+        <p:spPr>
+          <a:xfrm>
+            <a:off x="838200" y="2405071"/>
+            <a:ext cx="5067300" cy="3270250"/>
+          </a:xfrm>
+          <a:prstGeom prst="rect">
+            <a:avLst/>
+          </a:prstGeom>
+        </p:spPr>
+      </p:pic>
+      <p:sp>
+        <p:nvSpPr>
+          <p:cNvPr id="8" name="Textfeld 7">
+            <a:extLst>
+              <a:ext uri="{FF2B5EF4-FFF2-40B4-BE49-F238E27FC236}">
+                <a16:creationId xmlns:a16="http://schemas.microsoft.com/office/drawing/2014/main" id="{6ECF789E-6C6E-8B45-9ED4-EA5379439656}"/>
+              </a:ext>
+            </a:extLst>
+          </p:cNvPr>
+          <p:cNvSpPr txBox="1"/>
+          <p:nvPr/>
+        </p:nvSpPr>
+        <p:spPr>
+          <a:xfrm>
+            <a:off x="6286502" y="3429000"/>
+            <a:ext cx="4491990" cy="707886"/>
+          </a:xfrm>
+          <a:prstGeom prst="rect">
+            <a:avLst/>
+          </a:prstGeom>
+          <a:noFill/>
+        </p:spPr>
+        <p:txBody>
+          <a:bodyPr wrap="square" rtlCol="0">
+            <a:spAutoFit/>
+          </a:bodyPr>
+          <a:lstStyle/>
+          <a:p>
+            <a:pPr algn="ctr"/>
+            <a:r>
+              <a:rPr lang="de-DE" sz="2000" dirty="0"/>
+              <a:t>„</a:t>
+            </a:r>
+            <a:r>
+              <a:rPr lang="de-DE" sz="2000" dirty="0" err="1"/>
+              <a:t>ButcherCockpit</a:t>
+            </a:r>
+            <a:r>
+              <a:rPr lang="de-DE" sz="2000" dirty="0"/>
+              <a:t>" gefüllt mit Kacheln, die sämtliche vom Metzger benötigten Informationen anzeigen sollen </a:t>
+            </a:r>
+          </a:p>
+        </p:txBody>
+      </p:sp>
+    </p:spTree>
+    <p:extLst>
+      <p:ext uri="{BB962C8B-B14F-4D97-AF65-F5344CB8AC3E}">
+        <p14:creationId xmlns:p14="http://schemas.microsoft.com/office/powerpoint/2010/main" val="1373817653"/>
+      </p:ext>
+    </p:extLst>
+  </p:cSld>
+  <p:clrMapOvr>
+    <a:masterClrMapping/>
+  </p:clrMapOvr>
+</p:sld>
+</file>
+
+<file path=ppt/slides/slide11.xml><?xml version="1.0" encoding="utf-8"?>
+<p:sld xmlns:a="http://schemas.openxmlformats.org/drawingml/2006/main" xmlns:r="http://schemas.openxmlformats.org/officeDocument/2006/relationships" xmlns:p="http://schemas.openxmlformats.org/presentationml/2006/main">
+  <p:cSld>
+    <p:spTree>
+      <p:nvGrpSpPr>
+        <p:cNvPr id="1" name=""/>
+        <p:cNvGrpSpPr/>
+        <p:nvPr/>
+      </p:nvGrpSpPr>
+      <p:grpSpPr>
+        <a:xfrm>
+          <a:off x="0" y="0"/>
+          <a:ext cx="0" cy="0"/>
+          <a:chOff x="0" y="0"/>
+          <a:chExt cx="0" cy="0"/>
+        </a:xfrm>
+      </p:grpSpPr>
+      <p:sp>
+        <p:nvSpPr>
+          <p:cNvPr id="2" name="Titel 1">
+            <a:extLst>
+              <a:ext uri="{FF2B5EF4-FFF2-40B4-BE49-F238E27FC236}">
+                <a16:creationId xmlns:a16="http://schemas.microsoft.com/office/drawing/2014/main" id="{267DA547-7634-D64D-8939-E4EABF7FE431}"/>
+              </a:ext>
+            </a:extLst>
+          </p:cNvPr>
+          <p:cNvSpPr>
+            <a:spLocks noGrp="1"/>
+          </p:cNvSpPr>
+          <p:nvPr>
+            <p:ph type="title"/>
+          </p:nvPr>
+        </p:nvSpPr>
+        <p:spPr/>
+        <p:txBody>
+          <a:bodyPr/>
+          <a:lstStyle/>
+          <a:p>
+            <a:r>
+              <a:rPr lang="de-DE" b="1" dirty="0">
+                <a:latin typeface="+mn-lt"/>
+              </a:rPr>
               <a:t>Demo Userinterface</a:t>
             </a:r>
           </a:p>
@@ -37880,7 +38020,7 @@
 </p:sld>
 </file>
 
-<file path=ppt/slides/slide11.xml><?xml version="1.0" encoding="utf-8"?>
+<file path=ppt/slides/slide12.xml><?xml version="1.0" encoding="utf-8"?>
 <p:sld xmlns:a="http://schemas.openxmlformats.org/drawingml/2006/main" xmlns:r="http://schemas.openxmlformats.org/officeDocument/2006/relationships" xmlns:p="http://schemas.openxmlformats.org/presentationml/2006/main">
   <p:cSld>
     <p:spTree>
@@ -37910,7 +38050,7 @@
           <p:nvPr>
             <p:extLst>
               <p:ext uri="{D42A27DB-BD31-4B8C-83A1-F6EECF244321}">
-                <p14:modId xmlns:p14="http://schemas.microsoft.com/office/powerpoint/2010/main" val="634722168"/>
+                <p14:modId xmlns:p14="http://schemas.microsoft.com/office/powerpoint/2010/main" val="1740599547"/>
               </p:ext>
             </p:extLst>
           </p:nvPr>
@@ -37938,7 +38078,7 @@
 </p:sld>
 </file>
 
-<file path=ppt/slides/slide12.xml><?xml version="1.0" encoding="utf-8"?>
+<file path=ppt/slides/slide13.xml><?xml version="1.0" encoding="utf-8"?>
 <p:sld xmlns:a="http://schemas.openxmlformats.org/drawingml/2006/main" xmlns:r="http://schemas.openxmlformats.org/officeDocument/2006/relationships" xmlns:p="http://schemas.openxmlformats.org/presentationml/2006/main">
   <p:cSld>
     <p:spTree>
@@ -38157,7 +38297,7 @@
 </p:sld>
 </file>
 
-<file path=ppt/slides/slide13.xml><?xml version="1.0" encoding="utf-8"?>
+<file path=ppt/slides/slide14.xml><?xml version="1.0" encoding="utf-8"?>
 <p:sld xmlns:a="http://schemas.openxmlformats.org/drawingml/2006/main" xmlns:r="http://schemas.openxmlformats.org/officeDocument/2006/relationships" xmlns:p="http://schemas.openxmlformats.org/presentationml/2006/main">
   <p:cSld>
     <p:spTree>
@@ -38187,7 +38327,7 @@
           <p:nvPr>
             <p:extLst>
               <p:ext uri="{D42A27DB-BD31-4B8C-83A1-F6EECF244321}">
-                <p14:modId xmlns:p14="http://schemas.microsoft.com/office/powerpoint/2010/main" val="2232321732"/>
+                <p14:modId xmlns:p14="http://schemas.microsoft.com/office/powerpoint/2010/main" val="3915660322"/>
               </p:ext>
             </p:extLst>
           </p:nvPr>
@@ -38215,7 +38355,241 @@
 </p:sld>
 </file>
 
-<file path=ppt/slides/slide14.xml><?xml version="1.0" encoding="utf-8"?>
+<file path=ppt/slides/slide15.xml><?xml version="1.0" encoding="utf-8"?>
+<p:sld xmlns:a="http://schemas.openxmlformats.org/drawingml/2006/main" xmlns:r="http://schemas.openxmlformats.org/officeDocument/2006/relationships" xmlns:p="http://schemas.openxmlformats.org/presentationml/2006/main">
+  <p:cSld>
+    <p:spTree>
+      <p:nvGrpSpPr>
+        <p:cNvPr id="1" name=""/>
+        <p:cNvGrpSpPr/>
+        <p:nvPr/>
+      </p:nvGrpSpPr>
+      <p:grpSpPr>
+        <a:xfrm>
+          <a:off x="0" y="0"/>
+          <a:ext cx="0" cy="0"/>
+          <a:chOff x="0" y="0"/>
+          <a:chExt cx="0" cy="0"/>
+        </a:xfrm>
+      </p:grpSpPr>
+      <p:sp>
+        <p:nvSpPr>
+          <p:cNvPr id="2" name="Titel 1">
+            <a:extLst>
+              <a:ext uri="{FF2B5EF4-FFF2-40B4-BE49-F238E27FC236}">
+                <a16:creationId xmlns:a16="http://schemas.microsoft.com/office/drawing/2014/main" id="{05B1154F-CD7D-1248-BE45-6D9AA3B584A5}"/>
+              </a:ext>
+            </a:extLst>
+          </p:cNvPr>
+          <p:cNvSpPr>
+            <a:spLocks noGrp="1"/>
+          </p:cNvSpPr>
+          <p:nvPr>
+            <p:ph type="title"/>
+          </p:nvPr>
+        </p:nvSpPr>
+        <p:spPr/>
+        <p:txBody>
+          <a:bodyPr/>
+          <a:lstStyle/>
+          <a:p>
+            <a:r>
+              <a:rPr lang="de-DE" b="1" dirty="0">
+                <a:latin typeface="+mn-lt"/>
+              </a:rPr>
+              <a:t>Prototyp Kundenperspektive</a:t>
+            </a:r>
+          </a:p>
+        </p:txBody>
+      </p:sp>
+      <p:pic>
+        <p:nvPicPr>
+          <p:cNvPr id="26" name="Picture 1">
+            <a:extLst>
+              <a:ext uri="{FF2B5EF4-FFF2-40B4-BE49-F238E27FC236}">
+                <a16:creationId xmlns:a16="http://schemas.microsoft.com/office/drawing/2014/main" id="{E3C22519-581C-9C48-98DB-F58AFADCB52B}"/>
+              </a:ext>
+            </a:extLst>
+          </p:cNvPr>
+          <p:cNvPicPr/>
+          <p:nvPr/>
+        </p:nvPicPr>
+        <p:blipFill>
+          <a:blip r:embed="rId2">
+            <a:extLst>
+              <a:ext uri="{28A0092B-C50C-407E-A947-70E740481C1C}">
+                <a14:useLocalDpi xmlns:a14="http://schemas.microsoft.com/office/drawing/2010/main" val="0"/>
+              </a:ext>
+            </a:extLst>
+          </a:blip>
+          <a:stretch>
+            <a:fillRect/>
+          </a:stretch>
+        </p:blipFill>
+        <p:spPr>
+          <a:xfrm>
+            <a:off x="838200" y="2537644"/>
+            <a:ext cx="5161156" cy="3484014"/>
+          </a:xfrm>
+          <a:prstGeom prst="rect">
+            <a:avLst/>
+          </a:prstGeom>
+        </p:spPr>
+      </p:pic>
+      <p:pic>
+        <p:nvPicPr>
+          <p:cNvPr id="30" name="Picture 3">
+            <a:extLst>
+              <a:ext uri="{FF2B5EF4-FFF2-40B4-BE49-F238E27FC236}">
+                <a16:creationId xmlns:a16="http://schemas.microsoft.com/office/drawing/2014/main" id="{48DFA5BA-D37C-6E48-9C41-CBC9501B0DE6}"/>
+              </a:ext>
+            </a:extLst>
+          </p:cNvPr>
+          <p:cNvPicPr/>
+          <p:nvPr/>
+        </p:nvPicPr>
+        <p:blipFill>
+          <a:blip r:embed="rId3">
+            <a:extLst>
+              <a:ext uri="{28A0092B-C50C-407E-A947-70E740481C1C}">
+                <a14:useLocalDpi xmlns:a14="http://schemas.microsoft.com/office/drawing/2010/main" val="0"/>
+              </a:ext>
+            </a:extLst>
+          </a:blip>
+          <a:stretch>
+            <a:fillRect/>
+          </a:stretch>
+        </p:blipFill>
+        <p:spPr>
+          <a:xfrm>
+            <a:off x="7525120" y="2675641"/>
+            <a:ext cx="3391923" cy="3346017"/>
+          </a:xfrm>
+          <a:prstGeom prst="rect">
+            <a:avLst/>
+          </a:prstGeom>
+        </p:spPr>
+      </p:pic>
+      <p:sp>
+        <p:nvSpPr>
+          <p:cNvPr id="6" name="Textfeld 5">
+            <a:extLst>
+              <a:ext uri="{FF2B5EF4-FFF2-40B4-BE49-F238E27FC236}">
+                <a16:creationId xmlns:a16="http://schemas.microsoft.com/office/drawing/2014/main" id="{5C311633-614D-7947-9248-3748AF24A566}"/>
+              </a:ext>
+            </a:extLst>
+          </p:cNvPr>
+          <p:cNvSpPr txBox="1"/>
+          <p:nvPr/>
+        </p:nvSpPr>
+        <p:spPr>
+          <a:xfrm>
+            <a:off x="2035096" y="2168312"/>
+            <a:ext cx="1383682" cy="369332"/>
+          </a:xfrm>
+          <a:prstGeom prst="rect">
+            <a:avLst/>
+          </a:prstGeom>
+          <a:noFill/>
+        </p:spPr>
+        <p:txBody>
+          <a:bodyPr wrap="square" rtlCol="0">
+            <a:spAutoFit/>
+          </a:bodyPr>
+          <a:lstStyle/>
+          <a:p>
+            <a:r>
+              <a:rPr lang="de-DE" dirty="0"/>
+              <a:t>Prototyp - Website</a:t>
+            </a:r>
+          </a:p>
+        </p:txBody>
+      </p:sp>
+      <p:sp>
+        <p:nvSpPr>
+          <p:cNvPr id="31" name="Textfeld 30">
+            <a:extLst>
+              <a:ext uri="{FF2B5EF4-FFF2-40B4-BE49-F238E27FC236}">
+                <a16:creationId xmlns:a16="http://schemas.microsoft.com/office/drawing/2014/main" id="{30402782-FCEA-A949-9D9F-8410372C562D}"/>
+              </a:ext>
+            </a:extLst>
+          </p:cNvPr>
+          <p:cNvSpPr txBox="1"/>
+          <p:nvPr/>
+        </p:nvSpPr>
+        <p:spPr>
+          <a:xfrm>
+            <a:off x="8710961" y="2168312"/>
+            <a:ext cx="1383681" cy="369332"/>
+          </a:xfrm>
+          <a:prstGeom prst="rect">
+            <a:avLst/>
+          </a:prstGeom>
+          <a:noFill/>
+        </p:spPr>
+        <p:txBody>
+          <a:bodyPr wrap="square" rtlCol="0">
+            <a:spAutoFit/>
+          </a:bodyPr>
+          <a:lstStyle/>
+          <a:p>
+            <a:r>
+              <a:rPr lang="de-DE" dirty="0"/>
+              <a:t>Prototyp - Automat</a:t>
+            </a:r>
+          </a:p>
+        </p:txBody>
+      </p:sp>
+      <p:cxnSp>
+        <p:nvCxnSpPr>
+          <p:cNvPr id="8" name="Gerade Verbindung 7">
+            <a:extLst>
+              <a:ext uri="{FF2B5EF4-FFF2-40B4-BE49-F238E27FC236}">
+                <a16:creationId xmlns:a16="http://schemas.microsoft.com/office/drawing/2014/main" id="{22B28BC3-0DD8-924E-8493-0CFFCF3A7F9A}"/>
+              </a:ext>
+            </a:extLst>
+          </p:cNvPr>
+          <p:cNvCxnSpPr/>
+          <p:nvPr/>
+        </p:nvCxnSpPr>
+        <p:spPr>
+          <a:xfrm>
+            <a:off x="6735337" y="2168312"/>
+            <a:ext cx="0" cy="4265942"/>
+          </a:xfrm>
+          <a:prstGeom prst="line">
+            <a:avLst/>
+          </a:prstGeom>
+        </p:spPr>
+        <p:style>
+          <a:lnRef idx="1">
+            <a:schemeClr val="dk1"/>
+          </a:lnRef>
+          <a:fillRef idx="0">
+            <a:schemeClr val="dk1"/>
+          </a:fillRef>
+          <a:effectRef idx="0">
+            <a:schemeClr val="dk1"/>
+          </a:effectRef>
+          <a:fontRef idx="minor">
+            <a:schemeClr val="tx1"/>
+          </a:fontRef>
+        </p:style>
+      </p:cxnSp>
+    </p:spTree>
+    <p:extLst>
+      <p:ext uri="{BB962C8B-B14F-4D97-AF65-F5344CB8AC3E}">
+        <p14:creationId xmlns:p14="http://schemas.microsoft.com/office/powerpoint/2010/main" val="2729226058"/>
+      </p:ext>
+    </p:extLst>
+  </p:cSld>
+  <p:clrMapOvr>
+    <a:masterClrMapping/>
+  </p:clrMapOvr>
+</p:sld>
+</file>
+
+<file path=ppt/slides/slide16.xml><?xml version="1.0" encoding="utf-8"?>
 <p:sld xmlns:a="http://schemas.openxmlformats.org/drawingml/2006/main" xmlns:r="http://schemas.openxmlformats.org/officeDocument/2006/relationships" xmlns:p="http://schemas.openxmlformats.org/presentationml/2006/main">
   <p:cSld>
     <p:spTree>
@@ -39094,14 +39468,14 @@
           <p:nvPr>
             <p:extLst>
               <p:ext uri="{D42A27DB-BD31-4B8C-83A1-F6EECF244321}">
-                <p14:modId xmlns:p14="http://schemas.microsoft.com/office/powerpoint/2010/main" val="988755831"/>
+                <p14:modId xmlns:p14="http://schemas.microsoft.com/office/powerpoint/2010/main" val="2148333333"/>
               </p:ext>
             </p:extLst>
           </p:nvPr>
         </p:nvGraphicFramePr>
         <p:xfrm>
-          <a:off x="838200" y="2147447"/>
-          <a:ext cx="7210647" cy="4160677"/>
+          <a:off x="838200" y="1920241"/>
+          <a:ext cx="7162800" cy="4815840"/>
         </p:xfrm>
         <a:graphic>
           <a:graphicData uri="http://schemas.openxmlformats.org/drawingml/2006/diagram">
@@ -39152,7 +39526,7 @@
           <p:nvPr>
             <p:extLst>
               <p:ext uri="{D42A27DB-BD31-4B8C-83A1-F6EECF244321}">
-                <p14:modId xmlns:p14="http://schemas.microsoft.com/office/powerpoint/2010/main" val="4113556432"/>
+                <p14:modId xmlns:p14="http://schemas.microsoft.com/office/powerpoint/2010/main" val="1117677847"/>
               </p:ext>
             </p:extLst>
           </p:nvPr>
@@ -40540,7 +40914,7 @@
           <p:nvPr>
             <p:extLst>
               <p:ext uri="{D42A27DB-BD31-4B8C-83A1-F6EECF244321}">
-                <p14:modId xmlns:p14="http://schemas.microsoft.com/office/powerpoint/2010/main" val="531921479"/>
+                <p14:modId xmlns:p14="http://schemas.microsoft.com/office/powerpoint/2010/main" val="671712235"/>
               </p:ext>
             </p:extLst>
           </p:nvPr>
@@ -40700,7 +41074,7 @@
           <p:nvPr>
             <p:extLst>
               <p:ext uri="{D42A27DB-BD31-4B8C-83A1-F6EECF244321}">
-                <p14:modId xmlns:p14="http://schemas.microsoft.com/office/powerpoint/2010/main" val="144607432"/>
+                <p14:modId xmlns:p14="http://schemas.microsoft.com/office/powerpoint/2010/main" val="3722399027"/>
               </p:ext>
             </p:extLst>
           </p:nvPr>
@@ -40984,7 +41358,13 @@
             </a:extLst>
           </p:cNvPr>
           <p:cNvGraphicFramePr/>
-          <p:nvPr/>
+          <p:nvPr>
+            <p:extLst>
+              <p:ext uri="{D42A27DB-BD31-4B8C-83A1-F6EECF244321}">
+                <p14:modId xmlns:p14="http://schemas.microsoft.com/office/powerpoint/2010/main" val="2741982503"/>
+              </p:ext>
+            </p:extLst>
+          </p:nvPr>
         </p:nvGraphicFramePr>
         <p:xfrm>
           <a:off x="487326" y="1348661"/>

--- a/Präsentation - Butcher Cockpit.pptx
+++ b/Präsentation - Butcher Cockpit.pptx
@@ -4,23 +4,27 @@
   <p:sldMasterIdLst>
     <p:sldMasterId id="2147483725" r:id="rId1"/>
   </p:sldMasterIdLst>
+  <p:notesMasterIdLst>
+    <p:notesMasterId r:id="rId19"/>
+  </p:notesMasterIdLst>
   <p:sldIdLst>
     <p:sldId id="256" r:id="rId2"/>
     <p:sldId id="257" r:id="rId3"/>
     <p:sldId id="273" r:id="rId4"/>
     <p:sldId id="258" r:id="rId5"/>
     <p:sldId id="272" r:id="rId6"/>
-    <p:sldId id="261" r:id="rId7"/>
-    <p:sldId id="264" r:id="rId8"/>
-    <p:sldId id="263" r:id="rId9"/>
-    <p:sldId id="271" r:id="rId10"/>
-    <p:sldId id="274" r:id="rId11"/>
-    <p:sldId id="265" r:id="rId12"/>
-    <p:sldId id="269" r:id="rId13"/>
-    <p:sldId id="268" r:id="rId14"/>
-    <p:sldId id="270" r:id="rId15"/>
-    <p:sldId id="275" r:id="rId16"/>
-    <p:sldId id="267" r:id="rId17"/>
+    <p:sldId id="264" r:id="rId7"/>
+    <p:sldId id="263" r:id="rId8"/>
+    <p:sldId id="271" r:id="rId9"/>
+    <p:sldId id="274" r:id="rId10"/>
+    <p:sldId id="265" r:id="rId11"/>
+    <p:sldId id="269" r:id="rId12"/>
+    <p:sldId id="268" r:id="rId13"/>
+    <p:sldId id="270" r:id="rId14"/>
+    <p:sldId id="275" r:id="rId15"/>
+    <p:sldId id="267" r:id="rId16"/>
+    <p:sldId id="261" r:id="rId17"/>
+    <p:sldId id="277" r:id="rId18"/>
   </p:sldIdLst>
   <p:sldSz cx="12192000" cy="6858000"/>
   <p:notesSz cx="6858000" cy="9144000"/>
@@ -30299,6 +30303,471 @@
 </dgm:styleDef>
 </file>
 
+<file path=ppt/notesMasters/notesMaster1.xml><?xml version="1.0" encoding="utf-8"?>
+<p:notesMaster xmlns:a="http://schemas.openxmlformats.org/drawingml/2006/main" xmlns:r="http://schemas.openxmlformats.org/officeDocument/2006/relationships" xmlns:p="http://schemas.openxmlformats.org/presentationml/2006/main">
+  <p:cSld>
+    <p:bg>
+      <p:bgRef idx="1001">
+        <a:schemeClr val="bg1"/>
+      </p:bgRef>
+    </p:bg>
+    <p:spTree>
+      <p:nvGrpSpPr>
+        <p:cNvPr id="1" name=""/>
+        <p:cNvGrpSpPr/>
+        <p:nvPr/>
+      </p:nvGrpSpPr>
+      <p:grpSpPr>
+        <a:xfrm>
+          <a:off x="0" y="0"/>
+          <a:ext cx="0" cy="0"/>
+          <a:chOff x="0" y="0"/>
+          <a:chExt cx="0" cy="0"/>
+        </a:xfrm>
+      </p:grpSpPr>
+      <p:sp>
+        <p:nvSpPr>
+          <p:cNvPr id="2" name="Header Placeholder 1"/>
+          <p:cNvSpPr>
+            <a:spLocks noGrp="1"/>
+          </p:cNvSpPr>
+          <p:nvPr>
+            <p:ph type="hdr" sz="quarter"/>
+          </p:nvPr>
+        </p:nvSpPr>
+        <p:spPr>
+          <a:xfrm>
+            <a:off x="0" y="0"/>
+            <a:ext cx="2971800" cy="458788"/>
+          </a:xfrm>
+          <a:prstGeom prst="rect">
+            <a:avLst/>
+          </a:prstGeom>
+        </p:spPr>
+        <p:txBody>
+          <a:bodyPr vert="horz" lIns="91440" tIns="45720" rIns="91440" bIns="45720" rtlCol="0"/>
+          <a:lstStyle>
+            <a:lvl1pPr algn="l">
+              <a:defRPr sz="1200"/>
+            </a:lvl1pPr>
+          </a:lstStyle>
+          <a:p>
+            <a:endParaRPr lang="de-DE"/>
+          </a:p>
+        </p:txBody>
+      </p:sp>
+      <p:sp>
+        <p:nvSpPr>
+          <p:cNvPr id="3" name="Date Placeholder 2"/>
+          <p:cNvSpPr>
+            <a:spLocks noGrp="1"/>
+          </p:cNvSpPr>
+          <p:nvPr>
+            <p:ph type="dt" idx="1"/>
+          </p:nvPr>
+        </p:nvSpPr>
+        <p:spPr>
+          <a:xfrm>
+            <a:off x="3884613" y="0"/>
+            <a:ext cx="2971800" cy="458788"/>
+          </a:xfrm>
+          <a:prstGeom prst="rect">
+            <a:avLst/>
+          </a:prstGeom>
+        </p:spPr>
+        <p:txBody>
+          <a:bodyPr vert="horz" lIns="91440" tIns="45720" rIns="91440" bIns="45720" rtlCol="0"/>
+          <a:lstStyle>
+            <a:lvl1pPr algn="r">
+              <a:defRPr sz="1200"/>
+            </a:lvl1pPr>
+          </a:lstStyle>
+          <a:p>
+            <a:fld id="{6D34DF97-9974-4455-BE87-C770DF069DEE}" type="datetimeFigureOut">
+              <a:rPr lang="de-DE" smtClean="0"/>
+              <a:t>13.09.2020</a:t>
+            </a:fld>
+            <a:endParaRPr lang="de-DE"/>
+          </a:p>
+        </p:txBody>
+      </p:sp>
+      <p:sp>
+        <p:nvSpPr>
+          <p:cNvPr id="4" name="Slide Image Placeholder 3"/>
+          <p:cNvSpPr>
+            <a:spLocks noGrp="1" noRot="1" noChangeAspect="1"/>
+          </p:cNvSpPr>
+          <p:nvPr>
+            <p:ph type="sldImg" idx="2"/>
+          </p:nvPr>
+        </p:nvSpPr>
+        <p:spPr>
+          <a:xfrm>
+            <a:off x="685800" y="1143000"/>
+            <a:ext cx="5486400" cy="3086100"/>
+          </a:xfrm>
+          <a:prstGeom prst="rect">
+            <a:avLst/>
+          </a:prstGeom>
+          <a:noFill/>
+          <a:ln w="12700">
+            <a:solidFill>
+              <a:prstClr val="black"/>
+            </a:solidFill>
+          </a:ln>
+        </p:spPr>
+        <p:txBody>
+          <a:bodyPr vert="horz" lIns="91440" tIns="45720" rIns="91440" bIns="45720" rtlCol="0" anchor="ctr"/>
+          <a:lstStyle/>
+          <a:p>
+            <a:endParaRPr lang="de-DE"/>
+          </a:p>
+        </p:txBody>
+      </p:sp>
+      <p:sp>
+        <p:nvSpPr>
+          <p:cNvPr id="5" name="Notes Placeholder 4"/>
+          <p:cNvSpPr>
+            <a:spLocks noGrp="1"/>
+          </p:cNvSpPr>
+          <p:nvPr>
+            <p:ph type="body" sz="quarter" idx="3"/>
+          </p:nvPr>
+        </p:nvSpPr>
+        <p:spPr>
+          <a:xfrm>
+            <a:off x="685800" y="4400550"/>
+            <a:ext cx="5486400" cy="3600450"/>
+          </a:xfrm>
+          <a:prstGeom prst="rect">
+            <a:avLst/>
+          </a:prstGeom>
+        </p:spPr>
+        <p:txBody>
+          <a:bodyPr vert="horz" lIns="91440" tIns="45720" rIns="91440" bIns="45720" rtlCol="0"/>
+          <a:lstStyle/>
+          <a:p>
+            <a:pPr lvl="0"/>
+            <a:r>
+              <a:rPr lang="en-US"/>
+              <a:t>Click to edit Master text styles</a:t>
+            </a:r>
+          </a:p>
+          <a:p>
+            <a:pPr lvl="1"/>
+            <a:r>
+              <a:rPr lang="en-US"/>
+              <a:t>Second level</a:t>
+            </a:r>
+          </a:p>
+          <a:p>
+            <a:pPr lvl="2"/>
+            <a:r>
+              <a:rPr lang="en-US"/>
+              <a:t>Third level</a:t>
+            </a:r>
+          </a:p>
+          <a:p>
+            <a:pPr lvl="3"/>
+            <a:r>
+              <a:rPr lang="en-US"/>
+              <a:t>Fourth level</a:t>
+            </a:r>
+          </a:p>
+          <a:p>
+            <a:pPr lvl="4"/>
+            <a:r>
+              <a:rPr lang="en-US"/>
+              <a:t>Fifth level</a:t>
+            </a:r>
+            <a:endParaRPr lang="de-DE"/>
+          </a:p>
+        </p:txBody>
+      </p:sp>
+      <p:sp>
+        <p:nvSpPr>
+          <p:cNvPr id="6" name="Footer Placeholder 5"/>
+          <p:cNvSpPr>
+            <a:spLocks noGrp="1"/>
+          </p:cNvSpPr>
+          <p:nvPr>
+            <p:ph type="ftr" sz="quarter" idx="4"/>
+          </p:nvPr>
+        </p:nvSpPr>
+        <p:spPr>
+          <a:xfrm>
+            <a:off x="0" y="8685213"/>
+            <a:ext cx="2971800" cy="458787"/>
+          </a:xfrm>
+          <a:prstGeom prst="rect">
+            <a:avLst/>
+          </a:prstGeom>
+        </p:spPr>
+        <p:txBody>
+          <a:bodyPr vert="horz" lIns="91440" tIns="45720" rIns="91440" bIns="45720" rtlCol="0" anchor="b"/>
+          <a:lstStyle>
+            <a:lvl1pPr algn="l">
+              <a:defRPr sz="1200"/>
+            </a:lvl1pPr>
+          </a:lstStyle>
+          <a:p>
+            <a:endParaRPr lang="de-DE"/>
+          </a:p>
+        </p:txBody>
+      </p:sp>
+      <p:sp>
+        <p:nvSpPr>
+          <p:cNvPr id="7" name="Slide Number Placeholder 6"/>
+          <p:cNvSpPr>
+            <a:spLocks noGrp="1"/>
+          </p:cNvSpPr>
+          <p:nvPr>
+            <p:ph type="sldNum" sz="quarter" idx="5"/>
+          </p:nvPr>
+        </p:nvSpPr>
+        <p:spPr>
+          <a:xfrm>
+            <a:off x="3884613" y="8685213"/>
+            <a:ext cx="2971800" cy="458787"/>
+          </a:xfrm>
+          <a:prstGeom prst="rect">
+            <a:avLst/>
+          </a:prstGeom>
+        </p:spPr>
+        <p:txBody>
+          <a:bodyPr vert="horz" lIns="91440" tIns="45720" rIns="91440" bIns="45720" rtlCol="0" anchor="b"/>
+          <a:lstStyle>
+            <a:lvl1pPr algn="r">
+              <a:defRPr sz="1200"/>
+            </a:lvl1pPr>
+          </a:lstStyle>
+          <a:p>
+            <a:fld id="{C026EDFA-C734-403C-B59C-3D119122A460}" type="slidenum">
+              <a:rPr lang="de-DE" smtClean="0"/>
+              <a:t>‹#›</a:t>
+            </a:fld>
+            <a:endParaRPr lang="de-DE"/>
+          </a:p>
+        </p:txBody>
+      </p:sp>
+    </p:spTree>
+    <p:extLst>
+      <p:ext uri="{BB962C8B-B14F-4D97-AF65-F5344CB8AC3E}">
+        <p14:creationId xmlns:p14="http://schemas.microsoft.com/office/powerpoint/2010/main" val="2946896344"/>
+      </p:ext>
+    </p:extLst>
+  </p:cSld>
+  <p:clrMap bg1="lt1" tx1="dk1" bg2="lt2" tx2="dk2" accent1="accent1" accent2="accent2" accent3="accent3" accent4="accent4" accent5="accent5" accent6="accent6" hlink="hlink" folHlink="folHlink"/>
+  <p:notesStyle>
+    <a:lvl1pPr marL="0" algn="l" defTabSz="914400" rtl="0" eaLnBrk="1" latinLnBrk="0" hangingPunct="1">
+      <a:defRPr sz="1200" kern="1200">
+        <a:solidFill>
+          <a:schemeClr val="tx1"/>
+        </a:solidFill>
+        <a:latin typeface="+mn-lt"/>
+        <a:ea typeface="+mn-ea"/>
+        <a:cs typeface="+mn-cs"/>
+      </a:defRPr>
+    </a:lvl1pPr>
+    <a:lvl2pPr marL="457200" algn="l" defTabSz="914400" rtl="0" eaLnBrk="1" latinLnBrk="0" hangingPunct="1">
+      <a:defRPr sz="1200" kern="1200">
+        <a:solidFill>
+          <a:schemeClr val="tx1"/>
+        </a:solidFill>
+        <a:latin typeface="+mn-lt"/>
+        <a:ea typeface="+mn-ea"/>
+        <a:cs typeface="+mn-cs"/>
+      </a:defRPr>
+    </a:lvl2pPr>
+    <a:lvl3pPr marL="914400" algn="l" defTabSz="914400" rtl="0" eaLnBrk="1" latinLnBrk="0" hangingPunct="1">
+      <a:defRPr sz="1200" kern="1200">
+        <a:solidFill>
+          <a:schemeClr val="tx1"/>
+        </a:solidFill>
+        <a:latin typeface="+mn-lt"/>
+        <a:ea typeface="+mn-ea"/>
+        <a:cs typeface="+mn-cs"/>
+      </a:defRPr>
+    </a:lvl3pPr>
+    <a:lvl4pPr marL="1371600" algn="l" defTabSz="914400" rtl="0" eaLnBrk="1" latinLnBrk="0" hangingPunct="1">
+      <a:defRPr sz="1200" kern="1200">
+        <a:solidFill>
+          <a:schemeClr val="tx1"/>
+        </a:solidFill>
+        <a:latin typeface="+mn-lt"/>
+        <a:ea typeface="+mn-ea"/>
+        <a:cs typeface="+mn-cs"/>
+      </a:defRPr>
+    </a:lvl4pPr>
+    <a:lvl5pPr marL="1828800" algn="l" defTabSz="914400" rtl="0" eaLnBrk="1" latinLnBrk="0" hangingPunct="1">
+      <a:defRPr sz="1200" kern="1200">
+        <a:solidFill>
+          <a:schemeClr val="tx1"/>
+        </a:solidFill>
+        <a:latin typeface="+mn-lt"/>
+        <a:ea typeface="+mn-ea"/>
+        <a:cs typeface="+mn-cs"/>
+      </a:defRPr>
+    </a:lvl5pPr>
+    <a:lvl6pPr marL="2286000" algn="l" defTabSz="914400" rtl="0" eaLnBrk="1" latinLnBrk="0" hangingPunct="1">
+      <a:defRPr sz="1200" kern="1200">
+        <a:solidFill>
+          <a:schemeClr val="tx1"/>
+        </a:solidFill>
+        <a:latin typeface="+mn-lt"/>
+        <a:ea typeface="+mn-ea"/>
+        <a:cs typeface="+mn-cs"/>
+      </a:defRPr>
+    </a:lvl6pPr>
+    <a:lvl7pPr marL="2743200" algn="l" defTabSz="914400" rtl="0" eaLnBrk="1" latinLnBrk="0" hangingPunct="1">
+      <a:defRPr sz="1200" kern="1200">
+        <a:solidFill>
+          <a:schemeClr val="tx1"/>
+        </a:solidFill>
+        <a:latin typeface="+mn-lt"/>
+        <a:ea typeface="+mn-ea"/>
+        <a:cs typeface="+mn-cs"/>
+      </a:defRPr>
+    </a:lvl7pPr>
+    <a:lvl8pPr marL="3200400" algn="l" defTabSz="914400" rtl="0" eaLnBrk="1" latinLnBrk="0" hangingPunct="1">
+      <a:defRPr sz="1200" kern="1200">
+        <a:solidFill>
+          <a:schemeClr val="tx1"/>
+        </a:solidFill>
+        <a:latin typeface="+mn-lt"/>
+        <a:ea typeface="+mn-ea"/>
+        <a:cs typeface="+mn-cs"/>
+      </a:defRPr>
+    </a:lvl8pPr>
+    <a:lvl9pPr marL="3657600" algn="l" defTabSz="914400" rtl="0" eaLnBrk="1" latinLnBrk="0" hangingPunct="1">
+      <a:defRPr sz="1200" kern="1200">
+        <a:solidFill>
+          <a:schemeClr val="tx1"/>
+        </a:solidFill>
+        <a:latin typeface="+mn-lt"/>
+        <a:ea typeface="+mn-ea"/>
+        <a:cs typeface="+mn-cs"/>
+      </a:defRPr>
+    </a:lvl9pPr>
+  </p:notesStyle>
+</p:notesMaster>
+</file>
+
+<file path=ppt/notesSlides/notesSlide1.xml><?xml version="1.0" encoding="utf-8"?>
+<p:notes xmlns:a="http://schemas.openxmlformats.org/drawingml/2006/main" xmlns:r="http://schemas.openxmlformats.org/officeDocument/2006/relationships" xmlns:p="http://schemas.openxmlformats.org/presentationml/2006/main">
+  <p:cSld>
+    <p:spTree>
+      <p:nvGrpSpPr>
+        <p:cNvPr id="1" name=""/>
+        <p:cNvGrpSpPr/>
+        <p:nvPr/>
+      </p:nvGrpSpPr>
+      <p:grpSpPr>
+        <a:xfrm>
+          <a:off x="0" y="0"/>
+          <a:ext cx="0" cy="0"/>
+          <a:chOff x="0" y="0"/>
+          <a:chExt cx="0" cy="0"/>
+        </a:xfrm>
+      </p:grpSpPr>
+      <p:sp>
+        <p:nvSpPr>
+          <p:cNvPr id="2" name="Slide Image Placeholder 1"/>
+          <p:cNvSpPr>
+            <a:spLocks noGrp="1" noRot="1" noChangeAspect="1"/>
+          </p:cNvSpPr>
+          <p:nvPr>
+            <p:ph type="sldImg"/>
+          </p:nvPr>
+        </p:nvSpPr>
+        <p:spPr/>
+      </p:sp>
+      <p:sp>
+        <p:nvSpPr>
+          <p:cNvPr id="3" name="Notes Placeholder 2"/>
+          <p:cNvSpPr>
+            <a:spLocks noGrp="1"/>
+          </p:cNvSpPr>
+          <p:nvPr>
+            <p:ph type="body" idx="1"/>
+          </p:nvPr>
+        </p:nvSpPr>
+        <p:spPr/>
+        <p:txBody>
+          <a:bodyPr/>
+          <a:lstStyle/>
+          <a:p>
+            <a:pPr marL="0" marR="0" lvl="0" indent="0" algn="l" defTabSz="914400" rtl="0" eaLnBrk="1" fontAlgn="auto" latinLnBrk="0" hangingPunct="1">
+              <a:lnSpc>
+                <a:spcPct val="100000"/>
+              </a:lnSpc>
+              <a:spcBef>
+                <a:spcPts val="0"/>
+              </a:spcBef>
+              <a:spcAft>
+                <a:spcPts val="0"/>
+              </a:spcAft>
+              <a:buClrTx/>
+              <a:buSzTx/>
+              <a:buFontTx/>
+              <a:buNone/>
+              <a:tabLst/>
+              <a:defRPr/>
+            </a:pPr>
+            <a:r>
+              <a:rPr lang="de-DE" sz="1200" dirty="0"/>
+              <a:t>„</a:t>
+            </a:r>
+            <a:r>
+              <a:rPr lang="de-DE" sz="1200" dirty="0" err="1"/>
+              <a:t>ButcherCockpit</a:t>
+            </a:r>
+            <a:r>
+              <a:rPr lang="de-DE" sz="1200" dirty="0"/>
+              <a:t>" gefüllt mit Kacheln, die sämtliche vom Metzger benötigten Informationen anzeigen sollen </a:t>
+            </a:r>
+          </a:p>
+          <a:p>
+            <a:endParaRPr lang="de-DE" dirty="0"/>
+          </a:p>
+        </p:txBody>
+      </p:sp>
+      <p:sp>
+        <p:nvSpPr>
+          <p:cNvPr id="4" name="Slide Number Placeholder 3"/>
+          <p:cNvSpPr>
+            <a:spLocks noGrp="1"/>
+          </p:cNvSpPr>
+          <p:nvPr>
+            <p:ph type="sldNum" sz="quarter" idx="5"/>
+          </p:nvPr>
+        </p:nvSpPr>
+        <p:spPr/>
+        <p:txBody>
+          <a:bodyPr/>
+          <a:lstStyle/>
+          <a:p>
+            <a:fld id="{C026EDFA-C734-403C-B59C-3D119122A460}" type="slidenum">
+              <a:rPr lang="de-DE" smtClean="0"/>
+              <a:t>9</a:t>
+            </a:fld>
+            <a:endParaRPr lang="de-DE"/>
+          </a:p>
+        </p:txBody>
+      </p:sp>
+    </p:spTree>
+    <p:extLst>
+      <p:ext uri="{BB962C8B-B14F-4D97-AF65-F5344CB8AC3E}">
+        <p14:creationId xmlns:p14="http://schemas.microsoft.com/office/powerpoint/2010/main" val="3398277906"/>
+      </p:ext>
+    </p:extLst>
+  </p:cSld>
+  <p:clrMapOvr>
+    <a:masterClrMapping/>
+  </p:clrMapOvr>
+</p:notes>
+</file>
+
 <file path=ppt/slideLayouts/slideLayout1.xml><?xml version="1.0" encoding="utf-8"?>
 <p:sldLayout xmlns:a="http://schemas.openxmlformats.org/drawingml/2006/main" xmlns:r="http://schemas.openxmlformats.org/officeDocument/2006/relationships" xmlns:p="http://schemas.openxmlformats.org/presentationml/2006/main" type="title" preserve="1">
   <p:cSld name="Title Slide">
@@ -30787,7 +31256,7 @@
           <a:p>
             <a:fld id="{72345051-2045-45DA-935E-2E3CA1A69ADC}" type="datetimeFigureOut">
               <a:rPr lang="en-US" smtClean="0"/>
-              <a:t>9/12/20</a:t>
+              <a:t>9/13/2020</a:t>
             </a:fld>
             <a:endParaRPr lang="en-US" dirty="0"/>
           </a:p>
@@ -30841,7 +31310,7 @@
           <a:p>
             <a:fld id="{A7CD31F4-64FA-4BA0-9498-67783267A8C8}" type="slidenum">
               <a:rPr lang="en-US" smtClean="0"/>
-              <a:t>‹Nr.›</a:t>
+              <a:t>‹#›</a:t>
             </a:fld>
             <a:endParaRPr lang="en-US"/>
           </a:p>
@@ -30985,7 +31454,7 @@
           <a:p>
             <a:fld id="{72345051-2045-45DA-935E-2E3CA1A69ADC}" type="datetimeFigureOut">
               <a:rPr lang="en-US" smtClean="0"/>
-              <a:t>9/12/20</a:t>
+              <a:t>9/13/2020</a:t>
             </a:fld>
             <a:endParaRPr lang="en-US"/>
           </a:p>
@@ -31039,7 +31508,7 @@
           <a:p>
             <a:fld id="{A7CD31F4-64FA-4BA0-9498-67783267A8C8}" type="slidenum">
               <a:rPr lang="en-US" smtClean="0"/>
-              <a:t>‹Nr.›</a:t>
+              <a:t>‹#›</a:t>
             </a:fld>
             <a:endParaRPr lang="en-US"/>
           </a:p>
@@ -31193,7 +31662,7 @@
           <a:p>
             <a:fld id="{72345051-2045-45DA-935E-2E3CA1A69ADC}" type="datetimeFigureOut">
               <a:rPr lang="en-US" smtClean="0"/>
-              <a:t>9/12/20</a:t>
+              <a:t>9/13/2020</a:t>
             </a:fld>
             <a:endParaRPr lang="en-US"/>
           </a:p>
@@ -31247,7 +31716,7 @@
           <a:p>
             <a:fld id="{A7CD31F4-64FA-4BA0-9498-67783267A8C8}" type="slidenum">
               <a:rPr lang="en-US" smtClean="0"/>
-              <a:t>‹Nr.›</a:t>
+              <a:t>‹#›</a:t>
             </a:fld>
             <a:endParaRPr lang="en-US"/>
           </a:p>
@@ -31415,7 +31884,7 @@
           <a:p>
             <a:fld id="{72345051-2045-45DA-935E-2E3CA1A69ADC}" type="datetimeFigureOut">
               <a:rPr lang="en-US" smtClean="0"/>
-              <a:t>9/12/20</a:t>
+              <a:t>9/13/2020</a:t>
             </a:fld>
             <a:endParaRPr lang="en-US"/>
           </a:p>
@@ -31469,7 +31938,7 @@
           <a:p>
             <a:fld id="{A7CD31F4-64FA-4BA0-9498-67783267A8C8}" type="slidenum">
               <a:rPr lang="en-US" smtClean="0"/>
-              <a:t>‹Nr.›</a:t>
+              <a:t>‹#›</a:t>
             </a:fld>
             <a:endParaRPr lang="en-US"/>
           </a:p>
@@ -32326,7 +32795,7 @@
           <a:p>
             <a:fld id="{72345051-2045-45DA-935E-2E3CA1A69ADC}" type="datetimeFigureOut">
               <a:rPr lang="en-US" smtClean="0"/>
-              <a:t>9/12/20</a:t>
+              <a:t>9/13/2020</a:t>
             </a:fld>
             <a:endParaRPr lang="en-US"/>
           </a:p>
@@ -32380,7 +32849,7 @@
           <a:p>
             <a:fld id="{A7CD31F4-64FA-4BA0-9498-67783267A8C8}" type="slidenum">
               <a:rPr lang="en-US" smtClean="0"/>
-              <a:t>‹Nr.›</a:t>
+              <a:t>‹#›</a:t>
             </a:fld>
             <a:endParaRPr lang="en-US"/>
           </a:p>
@@ -32929,7 +33398,7 @@
           <a:p>
             <a:fld id="{72345051-2045-45DA-935E-2E3CA1A69ADC}" type="datetimeFigureOut">
               <a:rPr lang="en-US" smtClean="0"/>
-              <a:t>9/12/20</a:t>
+              <a:t>9/13/2020</a:t>
             </a:fld>
             <a:endParaRPr lang="en-US"/>
           </a:p>
@@ -32983,7 +33452,7 @@
           <a:p>
             <a:fld id="{A7CD31F4-64FA-4BA0-9498-67783267A8C8}" type="slidenum">
               <a:rPr lang="en-US" smtClean="0"/>
-              <a:t>‹Nr.›</a:t>
+              <a:t>‹#›</a:t>
             </a:fld>
             <a:endParaRPr lang="en-US"/>
           </a:p>
@@ -33977,7 +34446,7 @@
           <a:p>
             <a:fld id="{72345051-2045-45DA-935E-2E3CA1A69ADC}" type="datetimeFigureOut">
               <a:rPr lang="en-US" smtClean="0"/>
-              <a:t>9/12/20</a:t>
+              <a:t>9/13/2020</a:t>
             </a:fld>
             <a:endParaRPr lang="en-US"/>
           </a:p>
@@ -34031,7 +34500,7 @@
           <a:p>
             <a:fld id="{A7CD31F4-64FA-4BA0-9498-67783267A8C8}" type="slidenum">
               <a:rPr lang="en-US" smtClean="0"/>
-              <a:t>‹Nr.›</a:t>
+              <a:t>‹#›</a:t>
             </a:fld>
             <a:endParaRPr lang="en-US"/>
           </a:p>
@@ -34761,7 +35230,7 @@
           <a:p>
             <a:fld id="{72345051-2045-45DA-935E-2E3CA1A69ADC}" type="datetimeFigureOut">
               <a:rPr lang="en-US" smtClean="0"/>
-              <a:t>9/12/20</a:t>
+              <a:t>9/13/2020</a:t>
             </a:fld>
             <a:endParaRPr lang="en-US"/>
           </a:p>
@@ -34815,7 +35284,7 @@
           <a:p>
             <a:fld id="{A7CD31F4-64FA-4BA0-9498-67783267A8C8}" type="slidenum">
               <a:rPr lang="en-US" smtClean="0"/>
-              <a:t>‹Nr.›</a:t>
+              <a:t>‹#›</a:t>
             </a:fld>
             <a:endParaRPr lang="en-US"/>
           </a:p>
@@ -35210,7 +35679,7 @@
           <a:p>
             <a:fld id="{72345051-2045-45DA-935E-2E3CA1A69ADC}" type="datetimeFigureOut">
               <a:rPr lang="en-US" smtClean="0"/>
-              <a:t>9/12/20</a:t>
+              <a:t>9/13/2020</a:t>
             </a:fld>
             <a:endParaRPr lang="en-US"/>
           </a:p>
@@ -35264,7 +35733,7 @@
           <a:p>
             <a:fld id="{A7CD31F4-64FA-4BA0-9498-67783267A8C8}" type="slidenum">
               <a:rPr lang="en-US" smtClean="0"/>
-              <a:t>‹Nr.›</a:t>
+              <a:t>‹#›</a:t>
             </a:fld>
             <a:endParaRPr lang="en-US"/>
           </a:p>
@@ -35527,7 +35996,7 @@
           <a:p>
             <a:fld id="{72345051-2045-45DA-935E-2E3CA1A69ADC}" type="datetimeFigureOut">
               <a:rPr lang="en-US" smtClean="0"/>
-              <a:t>9/12/20</a:t>
+              <a:t>9/13/2020</a:t>
             </a:fld>
             <a:endParaRPr lang="en-US"/>
           </a:p>
@@ -35581,7 +36050,7 @@
           <a:p>
             <a:fld id="{A7CD31F4-64FA-4BA0-9498-67783267A8C8}" type="slidenum">
               <a:rPr lang="en-US" smtClean="0"/>
-              <a:t>‹Nr.›</a:t>
+              <a:t>‹#›</a:t>
             </a:fld>
             <a:endParaRPr lang="en-US"/>
           </a:p>
@@ -36155,7 +36624,7 @@
           <a:p>
             <a:fld id="{72345051-2045-45DA-935E-2E3CA1A69ADC}" type="datetimeFigureOut">
               <a:rPr lang="en-US" smtClean="0"/>
-              <a:t>9/12/20</a:t>
+              <a:t>9/13/2020</a:t>
             </a:fld>
             <a:endParaRPr lang="en-US"/>
           </a:p>
@@ -36209,7 +36678,7 @@
           <a:p>
             <a:fld id="{A7CD31F4-64FA-4BA0-9498-67783267A8C8}" type="slidenum">
               <a:rPr lang="en-US" smtClean="0"/>
-              <a:t>‹Nr.›</a:t>
+              <a:t>‹#›</a:t>
             </a:fld>
             <a:endParaRPr lang="en-US"/>
           </a:p>
@@ -36728,7 +37197,7 @@
           <a:p>
             <a:fld id="{72345051-2045-45DA-935E-2E3CA1A69ADC}" type="datetimeFigureOut">
               <a:rPr lang="en-US" smtClean="0"/>
-              <a:t>9/12/20</a:t>
+              <a:t>9/13/2020</a:t>
             </a:fld>
             <a:endParaRPr lang="en-US" dirty="0"/>
           </a:p>
@@ -36818,7 +37287,7 @@
           <a:p>
             <a:fld id="{A7CD31F4-64FA-4BA0-9498-67783267A8C8}" type="slidenum">
               <a:rPr lang="en-US" smtClean="0"/>
-              <a:t>‹Nr.›</a:t>
+              <a:t>‹#›</a:t>
             </a:fld>
             <a:endParaRPr lang="en-US" dirty="0"/>
           </a:p>
@@ -37829,144 +38298,6 @@
               <a:rPr lang="de-DE" b="1" dirty="0">
                 <a:latin typeface="+mn-lt"/>
               </a:rPr>
-              <a:t>Prototyp Metzger Perspektive</a:t>
-            </a:r>
-          </a:p>
-        </p:txBody>
-      </p:sp>
-      <p:pic>
-        <p:nvPicPr>
-          <p:cNvPr id="6" name="Picture 4">
-            <a:extLst>
-              <a:ext uri="{FF2B5EF4-FFF2-40B4-BE49-F238E27FC236}">
-                <a16:creationId xmlns:a16="http://schemas.microsoft.com/office/drawing/2014/main" id="{39F5CB9A-EF02-C44B-8BFE-E326362313E8}"/>
-              </a:ext>
-            </a:extLst>
-          </p:cNvPr>
-          <p:cNvPicPr/>
-          <p:nvPr/>
-        </p:nvPicPr>
-        <p:blipFill>
-          <a:blip r:embed="rId2">
-            <a:extLst>
-              <a:ext uri="{28A0092B-C50C-407E-A947-70E740481C1C}">
-                <a14:useLocalDpi xmlns:a14="http://schemas.microsoft.com/office/drawing/2010/main" val="0"/>
-              </a:ext>
-            </a:extLst>
-          </a:blip>
-          <a:stretch>
-            <a:fillRect/>
-          </a:stretch>
-        </p:blipFill>
-        <p:spPr>
-          <a:xfrm>
-            <a:off x="838200" y="2405071"/>
-            <a:ext cx="5067300" cy="3270250"/>
-          </a:xfrm>
-          <a:prstGeom prst="rect">
-            <a:avLst/>
-          </a:prstGeom>
-        </p:spPr>
-      </p:pic>
-      <p:sp>
-        <p:nvSpPr>
-          <p:cNvPr id="8" name="Textfeld 7">
-            <a:extLst>
-              <a:ext uri="{FF2B5EF4-FFF2-40B4-BE49-F238E27FC236}">
-                <a16:creationId xmlns:a16="http://schemas.microsoft.com/office/drawing/2014/main" id="{6ECF789E-6C6E-8B45-9ED4-EA5379439656}"/>
-              </a:ext>
-            </a:extLst>
-          </p:cNvPr>
-          <p:cNvSpPr txBox="1"/>
-          <p:nvPr/>
-        </p:nvSpPr>
-        <p:spPr>
-          <a:xfrm>
-            <a:off x="6286502" y="3429000"/>
-            <a:ext cx="4491990" cy="707886"/>
-          </a:xfrm>
-          <a:prstGeom prst="rect">
-            <a:avLst/>
-          </a:prstGeom>
-          <a:noFill/>
-        </p:spPr>
-        <p:txBody>
-          <a:bodyPr wrap="square" rtlCol="0">
-            <a:spAutoFit/>
-          </a:bodyPr>
-          <a:lstStyle/>
-          <a:p>
-            <a:pPr algn="ctr"/>
-            <a:r>
-              <a:rPr lang="de-DE" sz="2000" dirty="0"/>
-              <a:t>„</a:t>
-            </a:r>
-            <a:r>
-              <a:rPr lang="de-DE" sz="2000" dirty="0" err="1"/>
-              <a:t>ButcherCockpit</a:t>
-            </a:r>
-            <a:r>
-              <a:rPr lang="de-DE" sz="2000" dirty="0"/>
-              <a:t>" gefüllt mit Kacheln, die sämtliche vom Metzger benötigten Informationen anzeigen sollen </a:t>
-            </a:r>
-          </a:p>
-        </p:txBody>
-      </p:sp>
-    </p:spTree>
-    <p:extLst>
-      <p:ext uri="{BB962C8B-B14F-4D97-AF65-F5344CB8AC3E}">
-        <p14:creationId xmlns:p14="http://schemas.microsoft.com/office/powerpoint/2010/main" val="1373817653"/>
-      </p:ext>
-    </p:extLst>
-  </p:cSld>
-  <p:clrMapOvr>
-    <a:masterClrMapping/>
-  </p:clrMapOvr>
-</p:sld>
-</file>
-
-<file path=ppt/slides/slide11.xml><?xml version="1.0" encoding="utf-8"?>
-<p:sld xmlns:a="http://schemas.openxmlformats.org/drawingml/2006/main" xmlns:r="http://schemas.openxmlformats.org/officeDocument/2006/relationships" xmlns:p="http://schemas.openxmlformats.org/presentationml/2006/main">
-  <p:cSld>
-    <p:spTree>
-      <p:nvGrpSpPr>
-        <p:cNvPr id="1" name=""/>
-        <p:cNvGrpSpPr/>
-        <p:nvPr/>
-      </p:nvGrpSpPr>
-      <p:grpSpPr>
-        <a:xfrm>
-          <a:off x="0" y="0"/>
-          <a:ext cx="0" cy="0"/>
-          <a:chOff x="0" y="0"/>
-          <a:chExt cx="0" cy="0"/>
-        </a:xfrm>
-      </p:grpSpPr>
-      <p:sp>
-        <p:nvSpPr>
-          <p:cNvPr id="2" name="Titel 1">
-            <a:extLst>
-              <a:ext uri="{FF2B5EF4-FFF2-40B4-BE49-F238E27FC236}">
-                <a16:creationId xmlns:a16="http://schemas.microsoft.com/office/drawing/2014/main" id="{267DA547-7634-D64D-8939-E4EABF7FE431}"/>
-              </a:ext>
-            </a:extLst>
-          </p:cNvPr>
-          <p:cNvSpPr>
-            <a:spLocks noGrp="1"/>
-          </p:cNvSpPr>
-          <p:nvPr>
-            <p:ph type="title"/>
-          </p:nvPr>
-        </p:nvSpPr>
-        <p:spPr/>
-        <p:txBody>
-          <a:bodyPr/>
-          <a:lstStyle/>
-          <a:p>
-            <a:r>
-              <a:rPr lang="de-DE" b="1" dirty="0">
-                <a:latin typeface="+mn-lt"/>
-              </a:rPr>
               <a:t>Demo Userinterface</a:t>
             </a:r>
           </a:p>
@@ -38020,7 +38351,7 @@
 </p:sld>
 </file>
 
-<file path=ppt/slides/slide12.xml><?xml version="1.0" encoding="utf-8"?>
+<file path=ppt/slides/slide11.xml><?xml version="1.0" encoding="utf-8"?>
 <p:sld xmlns:a="http://schemas.openxmlformats.org/drawingml/2006/main" xmlns:r="http://schemas.openxmlformats.org/officeDocument/2006/relationships" xmlns:p="http://schemas.openxmlformats.org/presentationml/2006/main">
   <p:cSld>
     <p:spTree>
@@ -38078,7 +38409,7 @@
 </p:sld>
 </file>
 
-<file path=ppt/slides/slide13.xml><?xml version="1.0" encoding="utf-8"?>
+<file path=ppt/slides/slide12.xml><?xml version="1.0" encoding="utf-8"?>
 <p:sld xmlns:a="http://schemas.openxmlformats.org/drawingml/2006/main" xmlns:r="http://schemas.openxmlformats.org/officeDocument/2006/relationships" xmlns:p="http://schemas.openxmlformats.org/presentationml/2006/main">
   <p:cSld>
     <p:spTree>
@@ -38297,7 +38628,7 @@
 </p:sld>
 </file>
 
-<file path=ppt/slides/slide14.xml><?xml version="1.0" encoding="utf-8"?>
+<file path=ppt/slides/slide13.xml><?xml version="1.0" encoding="utf-8"?>
 <p:sld xmlns:a="http://schemas.openxmlformats.org/drawingml/2006/main" xmlns:r="http://schemas.openxmlformats.org/officeDocument/2006/relationships" xmlns:p="http://schemas.openxmlformats.org/presentationml/2006/main">
   <p:cSld>
     <p:spTree>
@@ -38355,7 +38686,7 @@
 </p:sld>
 </file>
 
-<file path=ppt/slides/slide15.xml><?xml version="1.0" encoding="utf-8"?>
+<file path=ppt/slides/slide14.xml><?xml version="1.0" encoding="utf-8"?>
 <p:sld xmlns:a="http://schemas.openxmlformats.org/drawingml/2006/main" xmlns:r="http://schemas.openxmlformats.org/officeDocument/2006/relationships" xmlns:p="http://schemas.openxmlformats.org/presentationml/2006/main">
   <p:cSld>
     <p:spTree>
@@ -38589,7 +38920,7 @@
 </p:sld>
 </file>
 
-<file path=ppt/slides/slide16.xml><?xml version="1.0" encoding="utf-8"?>
+<file path=ppt/slides/slide15.xml><?xml version="1.0" encoding="utf-8"?>
 <p:sld xmlns:a="http://schemas.openxmlformats.org/drawingml/2006/main" xmlns:r="http://schemas.openxmlformats.org/officeDocument/2006/relationships" xmlns:p="http://schemas.openxmlformats.org/presentationml/2006/main">
   <p:cSld>
     <p:spTree>
@@ -39408,6 +39739,260 @@
 </p:sld>
 </file>
 
+<file path=ppt/slides/slide16.xml><?xml version="1.0" encoding="utf-8"?>
+<p:sld xmlns:a="http://schemas.openxmlformats.org/drawingml/2006/main" xmlns:r="http://schemas.openxmlformats.org/officeDocument/2006/relationships" xmlns:p="http://schemas.openxmlformats.org/presentationml/2006/main">
+  <p:cSld>
+    <p:spTree>
+      <p:nvGrpSpPr>
+        <p:cNvPr id="1" name=""/>
+        <p:cNvGrpSpPr/>
+        <p:nvPr/>
+      </p:nvGrpSpPr>
+      <p:grpSpPr>
+        <a:xfrm>
+          <a:off x="0" y="0"/>
+          <a:ext cx="0" cy="0"/>
+          <a:chOff x="0" y="0"/>
+          <a:chExt cx="0" cy="0"/>
+        </a:xfrm>
+      </p:grpSpPr>
+      <p:sp>
+        <p:nvSpPr>
+          <p:cNvPr id="2" name="Titel 1">
+            <a:extLst>
+              <a:ext uri="{FF2B5EF4-FFF2-40B4-BE49-F238E27FC236}">
+                <a16:creationId xmlns:a16="http://schemas.microsoft.com/office/drawing/2014/main" id="{D1B20371-51AC-0A41-AFEA-7974F085BE27}"/>
+              </a:ext>
+            </a:extLst>
+          </p:cNvPr>
+          <p:cNvSpPr>
+            <a:spLocks noGrp="1"/>
+          </p:cNvSpPr>
+          <p:nvPr>
+            <p:ph type="title"/>
+          </p:nvPr>
+        </p:nvSpPr>
+        <p:spPr/>
+        <p:txBody>
+          <a:bodyPr/>
+          <a:lstStyle/>
+          <a:p>
+            <a:r>
+              <a:rPr lang="de-DE" b="1" dirty="0">
+                <a:latin typeface="+mn-lt"/>
+              </a:rPr>
+              <a:t>Model View Diagramm</a:t>
+            </a:r>
+          </a:p>
+        </p:txBody>
+      </p:sp>
+      <p:pic>
+        <p:nvPicPr>
+          <p:cNvPr id="5" name="Grafik 4" descr="Ein Bild, das Text enthält.&#10;&#10;Automatisch generierte Beschreibung">
+            <a:extLst>
+              <a:ext uri="{FF2B5EF4-FFF2-40B4-BE49-F238E27FC236}">
+                <a16:creationId xmlns:a16="http://schemas.microsoft.com/office/drawing/2014/main" id="{36EDE314-17BB-C841-BEC5-9233124A17BA}"/>
+              </a:ext>
+            </a:extLst>
+          </p:cNvPr>
+          <p:cNvPicPr>
+            <a:picLocks noChangeAspect="1"/>
+          </p:cNvPicPr>
+          <p:nvPr/>
+        </p:nvPicPr>
+        <p:blipFill>
+          <a:blip r:embed="rId2">
+            <a:extLst>
+              <a:ext uri="{BEBA8EAE-BF5A-486C-A8C5-ECC9F3942E4B}">
+                <a14:imgProps xmlns:a14="http://schemas.microsoft.com/office/drawing/2010/main">
+                  <a14:imgLayer r:embed="rId3">
+                    <a14:imgEffect>
+                      <a14:brightnessContrast bright="-30000" contrast="100000"/>
+                    </a14:imgEffect>
+                  </a14:imgLayer>
+                </a14:imgProps>
+              </a:ext>
+            </a:extLst>
+          </a:blip>
+          <a:stretch>
+            <a:fillRect/>
+          </a:stretch>
+        </p:blipFill>
+        <p:spPr>
+          <a:xfrm>
+            <a:off x="3148039" y="1996154"/>
+            <a:ext cx="5895922" cy="4496721"/>
+          </a:xfrm>
+          <a:prstGeom prst="rect">
+            <a:avLst/>
+          </a:prstGeom>
+        </p:spPr>
+      </p:pic>
+    </p:spTree>
+    <p:extLst>
+      <p:ext uri="{BB962C8B-B14F-4D97-AF65-F5344CB8AC3E}">
+        <p14:creationId xmlns:p14="http://schemas.microsoft.com/office/powerpoint/2010/main" val="2265184922"/>
+      </p:ext>
+    </p:extLst>
+  </p:cSld>
+  <p:clrMapOvr>
+    <a:masterClrMapping/>
+  </p:clrMapOvr>
+</p:sld>
+</file>
+
+<file path=ppt/slides/slide17.xml><?xml version="1.0" encoding="utf-8"?>
+<p:sld xmlns:a="http://schemas.openxmlformats.org/drawingml/2006/main" xmlns:r="http://schemas.openxmlformats.org/officeDocument/2006/relationships" xmlns:p="http://schemas.openxmlformats.org/presentationml/2006/main">
+  <p:cSld>
+    <p:spTree>
+      <p:nvGrpSpPr>
+        <p:cNvPr id="1" name=""/>
+        <p:cNvGrpSpPr/>
+        <p:nvPr/>
+      </p:nvGrpSpPr>
+      <p:grpSpPr>
+        <a:xfrm>
+          <a:off x="0" y="0"/>
+          <a:ext cx="0" cy="0"/>
+          <a:chOff x="0" y="0"/>
+          <a:chExt cx="0" cy="0"/>
+        </a:xfrm>
+      </p:grpSpPr>
+      <p:sp>
+        <p:nvSpPr>
+          <p:cNvPr id="2" name="Titel 1">
+            <a:extLst>
+              <a:ext uri="{FF2B5EF4-FFF2-40B4-BE49-F238E27FC236}">
+                <a16:creationId xmlns:a16="http://schemas.microsoft.com/office/drawing/2014/main" id="{D1B20371-51AC-0A41-AFEA-7974F085BE27}"/>
+              </a:ext>
+            </a:extLst>
+          </p:cNvPr>
+          <p:cNvSpPr>
+            <a:spLocks noGrp="1"/>
+          </p:cNvSpPr>
+          <p:nvPr>
+            <p:ph type="title"/>
+          </p:nvPr>
+        </p:nvSpPr>
+        <p:spPr/>
+        <p:txBody>
+          <a:bodyPr/>
+          <a:lstStyle/>
+          <a:p>
+            <a:r>
+              <a:rPr lang="de-DE" b="1" dirty="0" err="1">
+                <a:latin typeface="+mn-lt"/>
+              </a:rPr>
+              <a:t>Scope</a:t>
+            </a:r>
+            <a:r>
+              <a:rPr lang="de-DE" b="1" dirty="0">
+                <a:latin typeface="+mn-lt"/>
+              </a:rPr>
+              <a:t>: Was wurde implementiert?</a:t>
+            </a:r>
+          </a:p>
+        </p:txBody>
+      </p:sp>
+      <p:sp>
+        <p:nvSpPr>
+          <p:cNvPr id="3" name="TextBox 2">
+            <a:extLst>
+              <a:ext uri="{FF2B5EF4-FFF2-40B4-BE49-F238E27FC236}">
+                <a16:creationId xmlns:a16="http://schemas.microsoft.com/office/drawing/2014/main" id="{EED03339-F3E3-461C-BF9D-9BA7986FDCE6}"/>
+              </a:ext>
+            </a:extLst>
+          </p:cNvPr>
+          <p:cNvSpPr txBox="1"/>
+          <p:nvPr/>
+        </p:nvSpPr>
+        <p:spPr>
+          <a:xfrm>
+            <a:off x="791936" y="2036989"/>
+            <a:ext cx="10561864" cy="4401205"/>
+          </a:xfrm>
+          <a:prstGeom prst="rect">
+            <a:avLst/>
+          </a:prstGeom>
+          <a:noFill/>
+        </p:spPr>
+        <p:txBody>
+          <a:bodyPr wrap="square" rtlCol="0">
+            <a:spAutoFit/>
+          </a:bodyPr>
+          <a:lstStyle/>
+          <a:p>
+            <a:r>
+              <a:rPr lang="de-DE" sz="2800" b="1" dirty="0"/>
+              <a:t>Automat</a:t>
+            </a:r>
+          </a:p>
+          <a:p>
+            <a:r>
+              <a:rPr lang="de-DE" sz="2800" dirty="0"/>
+              <a:t>❌Website mit Vorbestellungen, QR-Code zur Abholung</a:t>
+            </a:r>
+          </a:p>
+          <a:p>
+            <a:r>
+              <a:rPr lang="de-DE" sz="2800" dirty="0"/>
+              <a:t>➖Abkaufen von Überkapazitäten, Zahlung Kreditkarte/bar</a:t>
+            </a:r>
+          </a:p>
+          <a:p>
+            <a:endParaRPr lang="de-DE" sz="2800" b="1" dirty="0"/>
+          </a:p>
+          <a:p>
+            <a:r>
+              <a:rPr lang="de-DE" sz="2800" b="1" dirty="0"/>
+              <a:t>Dashboard</a:t>
+            </a:r>
+          </a:p>
+          <a:p>
+            <a:r>
+              <a:rPr lang="de-DE" sz="2800" dirty="0"/>
+              <a:t>➖Kundenstatistiken</a:t>
+            </a:r>
+          </a:p>
+          <a:p>
+            <a:r>
+              <a:rPr lang="de-DE" sz="2800" dirty="0"/>
+              <a:t>✔️Lagerbestand</a:t>
+            </a:r>
+          </a:p>
+          <a:p>
+            <a:r>
+              <a:rPr lang="de-DE" sz="2800" dirty="0"/>
+              <a:t>❌Einkauf</a:t>
+            </a:r>
+          </a:p>
+          <a:p>
+            <a:r>
+              <a:rPr lang="de-DE" sz="2800" dirty="0"/>
+              <a:t>❌Bestellungen</a:t>
+            </a:r>
+          </a:p>
+          <a:p>
+            <a:r>
+              <a:rPr lang="de-DE" sz="2800" dirty="0"/>
+              <a:t>✔️Lagerbestand Automat</a:t>
+            </a:r>
+          </a:p>
+        </p:txBody>
+      </p:sp>
+    </p:spTree>
+    <p:extLst>
+      <p:ext uri="{BB962C8B-B14F-4D97-AF65-F5344CB8AC3E}">
+        <p14:creationId xmlns:p14="http://schemas.microsoft.com/office/powerpoint/2010/main" val="1451683628"/>
+      </p:ext>
+    </p:extLst>
+  </p:cSld>
+  <p:clrMapOvr>
+    <a:masterClrMapping/>
+  </p:clrMapOvr>
+</p:sld>
+</file>
+
 <file path=ppt/slides/slide2.xml><?xml version="1.0" encoding="utf-8"?>
 <p:sld xmlns:a="http://schemas.openxmlformats.org/drawingml/2006/main" xmlns:r="http://schemas.openxmlformats.org/officeDocument/2006/relationships" xmlns:p="http://schemas.openxmlformats.org/presentationml/2006/main">
   <p:cSld>
@@ -39596,7 +40181,7 @@
               <a:rPr lang="de-DE" b="1" dirty="0">
                 <a:latin typeface="The Hand" panose="03070502030502020204" pitchFamily="66" charset="0"/>
               </a:rPr>
-              <a:t>Architekturdiagramm</a:t>
+              <a:t>Architektur der Metzgerei</a:t>
             </a:r>
           </a:p>
         </p:txBody>
@@ -40231,7 +40816,7 @@
               <a:tabLst/>
             </a:pPr>
             <a:r>
-              <a:rPr kumimoji="0" lang="de-DE" altLang="de-DE" sz="1200" b="1" i="0" u="none" strike="noStrike" cap="none" normalizeH="0" baseline="0">
+              <a:rPr kumimoji="0" lang="de-DE" altLang="de-DE" sz="1200" b="1" i="0" u="none" strike="noStrike" cap="none" normalizeH="0" baseline="0" dirty="0">
                 <a:ln>
                   <a:noFill/>
                 </a:ln>
@@ -40245,7 +40830,7 @@
               </a:rPr>
               <a:t>Kasse</a:t>
             </a:r>
-            <a:endParaRPr kumimoji="0" lang="de-DE" altLang="de-DE" sz="1800" b="0" i="0" u="none" strike="noStrike" cap="none" normalizeH="0" baseline="0">
+            <a:endParaRPr kumimoji="0" lang="de-DE" altLang="de-DE" sz="1800" b="0" i="0" u="none" strike="noStrike" cap="none" normalizeH="0" baseline="0" dirty="0">
               <a:ln>
                 <a:noFill/>
               </a:ln>
@@ -40417,7 +41002,7 @@
               <a:tabLst/>
             </a:pPr>
             <a:r>
-              <a:rPr kumimoji="0" lang="de-DE" altLang="de-DE" sz="1200" b="1" i="0" u="none" strike="noStrike" cap="none" normalizeH="0" baseline="0">
+              <a:rPr kumimoji="0" lang="de-DE" altLang="de-DE" sz="1200" b="1" i="0" u="none" strike="noStrike" cap="none" normalizeH="0" baseline="0" dirty="0">
                 <a:ln>
                   <a:noFill/>
                 </a:ln>
@@ -40431,7 +41016,7 @@
               </a:rPr>
               <a:t>Kühlautomat</a:t>
             </a:r>
-            <a:endParaRPr kumimoji="0" lang="de-DE" altLang="de-DE" sz="1800" b="0" i="0" u="none" strike="noStrike" cap="none" normalizeH="0" baseline="0">
+            <a:endParaRPr kumimoji="0" lang="de-DE" altLang="de-DE" sz="1800" b="0" i="0" u="none" strike="noStrike" cap="none" normalizeH="0" baseline="0" dirty="0">
               <a:ln>
                 <a:noFill/>
               </a:ln>
@@ -40959,108 +41544,6 @@
           <a:chExt cx="0" cy="0"/>
         </a:xfrm>
       </p:grpSpPr>
-      <p:sp>
-        <p:nvSpPr>
-          <p:cNvPr id="2" name="Titel 1">
-            <a:extLst>
-              <a:ext uri="{FF2B5EF4-FFF2-40B4-BE49-F238E27FC236}">
-                <a16:creationId xmlns:a16="http://schemas.microsoft.com/office/drawing/2014/main" id="{D1B20371-51AC-0A41-AFEA-7974F085BE27}"/>
-              </a:ext>
-            </a:extLst>
-          </p:cNvPr>
-          <p:cNvSpPr>
-            <a:spLocks noGrp="1"/>
-          </p:cNvSpPr>
-          <p:nvPr>
-            <p:ph type="title"/>
-          </p:nvPr>
-        </p:nvSpPr>
-        <p:spPr/>
-        <p:txBody>
-          <a:bodyPr/>
-          <a:lstStyle/>
-          <a:p>
-            <a:r>
-              <a:rPr lang="de-DE" b="1" dirty="0">
-                <a:latin typeface="+mn-lt"/>
-              </a:rPr>
-              <a:t>Model View Diagramm</a:t>
-            </a:r>
-          </a:p>
-        </p:txBody>
-      </p:sp>
-      <p:pic>
-        <p:nvPicPr>
-          <p:cNvPr id="5" name="Grafik 4" descr="Ein Bild, das Text enthält.&#10;&#10;Automatisch generierte Beschreibung">
-            <a:extLst>
-              <a:ext uri="{FF2B5EF4-FFF2-40B4-BE49-F238E27FC236}">
-                <a16:creationId xmlns:a16="http://schemas.microsoft.com/office/drawing/2014/main" id="{36EDE314-17BB-C841-BEC5-9233124A17BA}"/>
-              </a:ext>
-            </a:extLst>
-          </p:cNvPr>
-          <p:cNvPicPr>
-            <a:picLocks noChangeAspect="1"/>
-          </p:cNvPicPr>
-          <p:nvPr/>
-        </p:nvPicPr>
-        <p:blipFill>
-          <a:blip r:embed="rId2">
-            <a:extLst>
-              <a:ext uri="{BEBA8EAE-BF5A-486C-A8C5-ECC9F3942E4B}">
-                <a14:imgProps xmlns:a14="http://schemas.microsoft.com/office/drawing/2010/main">
-                  <a14:imgLayer r:embed="rId3">
-                    <a14:imgEffect>
-                      <a14:brightnessContrast bright="-30000" contrast="100000"/>
-                    </a14:imgEffect>
-                  </a14:imgLayer>
-                </a14:imgProps>
-              </a:ext>
-            </a:extLst>
-          </a:blip>
-          <a:stretch>
-            <a:fillRect/>
-          </a:stretch>
-        </p:blipFill>
-        <p:spPr>
-          <a:xfrm>
-            <a:off x="3148039" y="1996154"/>
-            <a:ext cx="5895922" cy="4496721"/>
-          </a:xfrm>
-          <a:prstGeom prst="rect">
-            <a:avLst/>
-          </a:prstGeom>
-        </p:spPr>
-      </p:pic>
-    </p:spTree>
-    <p:extLst>
-      <p:ext uri="{BB962C8B-B14F-4D97-AF65-F5344CB8AC3E}">
-        <p14:creationId xmlns:p14="http://schemas.microsoft.com/office/powerpoint/2010/main" val="2265184922"/>
-      </p:ext>
-    </p:extLst>
-  </p:cSld>
-  <p:clrMapOvr>
-    <a:masterClrMapping/>
-  </p:clrMapOvr>
-</p:sld>
-</file>
-
-<file path=ppt/slides/slide7.xml><?xml version="1.0" encoding="utf-8"?>
-<p:sld xmlns:a="http://schemas.openxmlformats.org/drawingml/2006/main" xmlns:r="http://schemas.openxmlformats.org/officeDocument/2006/relationships" xmlns:p="http://schemas.openxmlformats.org/presentationml/2006/main">
-  <p:cSld>
-    <p:spTree>
-      <p:nvGrpSpPr>
-        <p:cNvPr id="1" name=""/>
-        <p:cNvGrpSpPr/>
-        <p:nvPr/>
-      </p:nvGrpSpPr>
-      <p:grpSpPr>
-        <a:xfrm>
-          <a:off x="0" y="0"/>
-          <a:ext cx="0" cy="0"/>
-          <a:chOff x="0" y="0"/>
-          <a:chExt cx="0" cy="0"/>
-        </a:xfrm>
-      </p:grpSpPr>
       <p:graphicFrame>
         <p:nvGraphicFramePr>
           <p:cNvPr id="4" name="Diagramm 3">
@@ -41102,7 +41585,7 @@
 </p:sld>
 </file>
 
-<file path=ppt/slides/slide8.xml><?xml version="1.0" encoding="utf-8"?>
+<file path=ppt/slides/slide7.xml><?xml version="1.0" encoding="utf-8"?>
 <p:sld xmlns:a="http://schemas.openxmlformats.org/drawingml/2006/main" xmlns:r="http://schemas.openxmlformats.org/officeDocument/2006/relationships" xmlns:p="http://schemas.openxmlformats.org/presentationml/2006/main">
   <p:cSld>
     <p:spTree>
@@ -41331,7 +41814,7 @@
 </p:sld>
 </file>
 
-<file path=ppt/slides/slide9.xml><?xml version="1.0" encoding="utf-8"?>
+<file path=ppt/slides/slide8.xml><?xml version="1.0" encoding="utf-8"?>
 <p:sld xmlns:a="http://schemas.openxmlformats.org/drawingml/2006/main" xmlns:r="http://schemas.openxmlformats.org/officeDocument/2006/relationships" xmlns:p="http://schemas.openxmlformats.org/presentationml/2006/main">
   <p:cSld>
     <p:spTree>
@@ -41380,6 +41863,96 @@
     <p:extLst>
       <p:ext uri="{BB962C8B-B14F-4D97-AF65-F5344CB8AC3E}">
         <p14:creationId xmlns:p14="http://schemas.microsoft.com/office/powerpoint/2010/main" val="1361777949"/>
+      </p:ext>
+    </p:extLst>
+  </p:cSld>
+  <p:clrMapOvr>
+    <a:masterClrMapping/>
+  </p:clrMapOvr>
+</p:sld>
+</file>
+
+<file path=ppt/slides/slide9.xml><?xml version="1.0" encoding="utf-8"?>
+<p:sld xmlns:a="http://schemas.openxmlformats.org/drawingml/2006/main" xmlns:r="http://schemas.openxmlformats.org/officeDocument/2006/relationships" xmlns:p="http://schemas.openxmlformats.org/presentationml/2006/main">
+  <p:cSld>
+    <p:spTree>
+      <p:nvGrpSpPr>
+        <p:cNvPr id="1" name=""/>
+        <p:cNvGrpSpPr/>
+        <p:nvPr/>
+      </p:nvGrpSpPr>
+      <p:grpSpPr>
+        <a:xfrm>
+          <a:off x="0" y="0"/>
+          <a:ext cx="0" cy="0"/>
+          <a:chOff x="0" y="0"/>
+          <a:chExt cx="0" cy="0"/>
+        </a:xfrm>
+      </p:grpSpPr>
+      <p:sp>
+        <p:nvSpPr>
+          <p:cNvPr id="2" name="Titel 1">
+            <a:extLst>
+              <a:ext uri="{FF2B5EF4-FFF2-40B4-BE49-F238E27FC236}">
+                <a16:creationId xmlns:a16="http://schemas.microsoft.com/office/drawing/2014/main" id="{267DA547-7634-D64D-8939-E4EABF7FE431}"/>
+              </a:ext>
+            </a:extLst>
+          </p:cNvPr>
+          <p:cNvSpPr>
+            <a:spLocks noGrp="1"/>
+          </p:cNvSpPr>
+          <p:nvPr>
+            <p:ph type="title"/>
+          </p:nvPr>
+        </p:nvSpPr>
+        <p:spPr/>
+        <p:txBody>
+          <a:bodyPr/>
+          <a:lstStyle/>
+          <a:p>
+            <a:r>
+              <a:rPr lang="de-DE" b="1" dirty="0">
+                <a:latin typeface="+mn-lt"/>
+              </a:rPr>
+              <a:t>Prototyp Metzger Perspektive</a:t>
+            </a:r>
+          </a:p>
+        </p:txBody>
+      </p:sp>
+      <p:pic>
+        <p:nvPicPr>
+          <p:cNvPr id="3" name="Picture 2">
+            <a:extLst>
+              <a:ext uri="{FF2B5EF4-FFF2-40B4-BE49-F238E27FC236}">
+                <a16:creationId xmlns:a16="http://schemas.microsoft.com/office/drawing/2014/main" id="{35CC9777-CE79-438A-88FC-5263B5BB0878}"/>
+              </a:ext>
+            </a:extLst>
+          </p:cNvPr>
+          <p:cNvPicPr>
+            <a:picLocks noChangeAspect="1"/>
+          </p:cNvPicPr>
+          <p:nvPr/>
+        </p:nvPicPr>
+        <p:blipFill>
+          <a:blip r:embed="rId3"/>
+          <a:stretch>
+            <a:fillRect/>
+          </a:stretch>
+        </p:blipFill>
+        <p:spPr>
+          <a:xfrm>
+            <a:off x="739566" y="1792846"/>
+            <a:ext cx="8141118" cy="4750044"/>
+          </a:xfrm>
+          <a:prstGeom prst="rect">
+            <a:avLst/>
+          </a:prstGeom>
+        </p:spPr>
+      </p:pic>
+    </p:spTree>
+    <p:extLst>
+      <p:ext uri="{BB962C8B-B14F-4D97-AF65-F5344CB8AC3E}">
+        <p14:creationId xmlns:p14="http://schemas.microsoft.com/office/powerpoint/2010/main" val="1373817653"/>
       </p:ext>
     </p:extLst>
   </p:cSld>
@@ -41588,4 +42161,299 @@
     </a:ext>
   </a:extLst>
 </a:theme>
+</file>
+
+<file path=ppt/theme/theme2.xml><?xml version="1.0" encoding="utf-8"?>
+<a:theme xmlns:a="http://schemas.openxmlformats.org/drawingml/2006/main" name="Office Theme">
+  <a:themeElements>
+    <a:clrScheme name="Office">
+      <a:dk1>
+        <a:sysClr val="windowText" lastClr="000000"/>
+      </a:dk1>
+      <a:lt1>
+        <a:sysClr val="window" lastClr="FFFFFF"/>
+      </a:lt1>
+      <a:dk2>
+        <a:srgbClr val="44546A"/>
+      </a:dk2>
+      <a:lt2>
+        <a:srgbClr val="E7E6E6"/>
+      </a:lt2>
+      <a:accent1>
+        <a:srgbClr val="4472C4"/>
+      </a:accent1>
+      <a:accent2>
+        <a:srgbClr val="ED7D31"/>
+      </a:accent2>
+      <a:accent3>
+        <a:srgbClr val="A5A5A5"/>
+      </a:accent3>
+      <a:accent4>
+        <a:srgbClr val="FFC000"/>
+      </a:accent4>
+      <a:accent5>
+        <a:srgbClr val="5B9BD5"/>
+      </a:accent5>
+      <a:accent6>
+        <a:srgbClr val="70AD47"/>
+      </a:accent6>
+      <a:hlink>
+        <a:srgbClr val="0563C1"/>
+      </a:hlink>
+      <a:folHlink>
+        <a:srgbClr val="954F72"/>
+      </a:folHlink>
+    </a:clrScheme>
+    <a:fontScheme name="Office">
+      <a:majorFont>
+        <a:latin typeface="Calibri Light" panose="020F0302020204030204"/>
+        <a:ea typeface=""/>
+        <a:cs typeface=""/>
+        <a:font script="Jpan" typeface="游ゴシック Light"/>
+        <a:font script="Hang" typeface="맑은 고딕"/>
+        <a:font script="Hans" typeface="等线 Light"/>
+        <a:font script="Hant" typeface="新細明體"/>
+        <a:font script="Arab" typeface="Times New Roman"/>
+        <a:font script="Hebr" typeface="Times New Roman"/>
+        <a:font script="Thai" typeface="Angsana New"/>
+        <a:font script="Ethi" typeface="Nyala"/>
+        <a:font script="Beng" typeface="Vrinda"/>
+        <a:font script="Gujr" typeface="Shruti"/>
+        <a:font script="Khmr" typeface="MoolBoran"/>
+        <a:font script="Knda" typeface="Tunga"/>
+        <a:font script="Guru" typeface="Raavi"/>
+        <a:font script="Cans" typeface="Euphemia"/>
+        <a:font script="Cher" typeface="Plantagenet Cherokee"/>
+        <a:font script="Yiii" typeface="Microsoft Yi Baiti"/>
+        <a:font script="Tibt" typeface="Microsoft Himalaya"/>
+        <a:font script="Thaa" typeface="MV Boli"/>
+        <a:font script="Deva" typeface="Mangal"/>
+        <a:font script="Telu" typeface="Gautami"/>
+        <a:font script="Taml" typeface="Latha"/>
+        <a:font script="Syrc" typeface="Estrangelo Edessa"/>
+        <a:font script="Orya" typeface="Kalinga"/>
+        <a:font script="Mlym" typeface="Kartika"/>
+        <a:font script="Laoo" typeface="DokChampa"/>
+        <a:font script="Sinh" typeface="Iskoola Pota"/>
+        <a:font script="Mong" typeface="Mongolian Baiti"/>
+        <a:font script="Viet" typeface="Times New Roman"/>
+        <a:font script="Uigh" typeface="Microsoft Uighur"/>
+        <a:font script="Geor" typeface="Sylfaen"/>
+        <a:font script="Armn" typeface="Arial"/>
+        <a:font script="Bugi" typeface="Leelawadee UI"/>
+        <a:font script="Bopo" typeface="Microsoft JhengHei"/>
+        <a:font script="Java" typeface="Javanese Text"/>
+        <a:font script="Lisu" typeface="Segoe UI"/>
+        <a:font script="Mymr" typeface="Myanmar Text"/>
+        <a:font script="Nkoo" typeface="Ebrima"/>
+        <a:font script="Olck" typeface="Nirmala UI"/>
+        <a:font script="Osma" typeface="Ebrima"/>
+        <a:font script="Phag" typeface="Phagspa"/>
+        <a:font script="Syrn" typeface="Estrangelo Edessa"/>
+        <a:font script="Syrj" typeface="Estrangelo Edessa"/>
+        <a:font script="Syre" typeface="Estrangelo Edessa"/>
+        <a:font script="Sora" typeface="Nirmala UI"/>
+        <a:font script="Tale" typeface="Microsoft Tai Le"/>
+        <a:font script="Talu" typeface="Microsoft New Tai Lue"/>
+        <a:font script="Tfng" typeface="Ebrima"/>
+      </a:majorFont>
+      <a:minorFont>
+        <a:latin typeface="Calibri" panose="020F0502020204030204"/>
+        <a:ea typeface=""/>
+        <a:cs typeface=""/>
+        <a:font script="Jpan" typeface="游ゴシック"/>
+        <a:font script="Hang" typeface="맑은 고딕"/>
+        <a:font script="Hans" typeface="等线"/>
+        <a:font script="Hant" typeface="新細明體"/>
+        <a:font script="Arab" typeface="Arial"/>
+        <a:font script="Hebr" typeface="Arial"/>
+        <a:font script="Thai" typeface="Cordia New"/>
+        <a:font script="Ethi" typeface="Nyala"/>
+        <a:font script="Beng" typeface="Vrinda"/>
+        <a:font script="Gujr" typeface="Shruti"/>
+        <a:font script="Khmr" typeface="DaunPenh"/>
+        <a:font script="Knda" typeface="Tunga"/>
+        <a:font script="Guru" typeface="Raavi"/>
+        <a:font script="Cans" typeface="Euphemia"/>
+        <a:font script="Cher" typeface="Plantagenet Cherokee"/>
+        <a:font script="Yiii" typeface="Microsoft Yi Baiti"/>
+        <a:font script="Tibt" typeface="Microsoft Himalaya"/>
+        <a:font script="Thaa" typeface="MV Boli"/>
+        <a:font script="Deva" typeface="Mangal"/>
+        <a:font script="Telu" typeface="Gautami"/>
+        <a:font script="Taml" typeface="Latha"/>
+        <a:font script="Syrc" typeface="Estrangelo Edessa"/>
+        <a:font script="Orya" typeface="Kalinga"/>
+        <a:font script="Mlym" typeface="Kartika"/>
+        <a:font script="Laoo" typeface="DokChampa"/>
+        <a:font script="Sinh" typeface="Iskoola Pota"/>
+        <a:font script="Mong" typeface="Mongolian Baiti"/>
+        <a:font script="Viet" typeface="Arial"/>
+        <a:font script="Uigh" typeface="Microsoft Uighur"/>
+        <a:font script="Geor" typeface="Sylfaen"/>
+        <a:font script="Armn" typeface="Arial"/>
+        <a:font script="Bugi" typeface="Leelawadee UI"/>
+        <a:font script="Bopo" typeface="Microsoft JhengHei"/>
+        <a:font script="Java" typeface="Javanese Text"/>
+        <a:font script="Lisu" typeface="Segoe UI"/>
+        <a:font script="Mymr" typeface="Myanmar Text"/>
+        <a:font script="Nkoo" typeface="Ebrima"/>
+        <a:font script="Olck" typeface="Nirmala UI"/>
+        <a:font script="Osma" typeface="Ebrima"/>
+        <a:font script="Phag" typeface="Phagspa"/>
+        <a:font script="Syrn" typeface="Estrangelo Edessa"/>
+        <a:font script="Syrj" typeface="Estrangelo Edessa"/>
+        <a:font script="Syre" typeface="Estrangelo Edessa"/>
+        <a:font script="Sora" typeface="Nirmala UI"/>
+        <a:font script="Tale" typeface="Microsoft Tai Le"/>
+        <a:font script="Talu" typeface="Microsoft New Tai Lue"/>
+        <a:font script="Tfng" typeface="Ebrima"/>
+      </a:minorFont>
+    </a:fontScheme>
+    <a:fmtScheme name="Office">
+      <a:fillStyleLst>
+        <a:solidFill>
+          <a:schemeClr val="phClr"/>
+        </a:solidFill>
+        <a:gradFill rotWithShape="1">
+          <a:gsLst>
+            <a:gs pos="0">
+              <a:schemeClr val="phClr">
+                <a:lumMod val="110000"/>
+                <a:satMod val="105000"/>
+                <a:tint val="67000"/>
+              </a:schemeClr>
+            </a:gs>
+            <a:gs pos="50000">
+              <a:schemeClr val="phClr">
+                <a:lumMod val="105000"/>
+                <a:satMod val="103000"/>
+                <a:tint val="73000"/>
+              </a:schemeClr>
+            </a:gs>
+            <a:gs pos="100000">
+              <a:schemeClr val="phClr">
+                <a:lumMod val="105000"/>
+                <a:satMod val="109000"/>
+                <a:tint val="81000"/>
+              </a:schemeClr>
+            </a:gs>
+          </a:gsLst>
+          <a:lin ang="5400000" scaled="0"/>
+        </a:gradFill>
+        <a:gradFill rotWithShape="1">
+          <a:gsLst>
+            <a:gs pos="0">
+              <a:schemeClr val="phClr">
+                <a:satMod val="103000"/>
+                <a:lumMod val="102000"/>
+                <a:tint val="94000"/>
+              </a:schemeClr>
+            </a:gs>
+            <a:gs pos="50000">
+              <a:schemeClr val="phClr">
+                <a:satMod val="110000"/>
+                <a:lumMod val="100000"/>
+                <a:shade val="100000"/>
+              </a:schemeClr>
+            </a:gs>
+            <a:gs pos="100000">
+              <a:schemeClr val="phClr">
+                <a:lumMod val="99000"/>
+                <a:satMod val="120000"/>
+                <a:shade val="78000"/>
+              </a:schemeClr>
+            </a:gs>
+          </a:gsLst>
+          <a:lin ang="5400000" scaled="0"/>
+        </a:gradFill>
+      </a:fillStyleLst>
+      <a:lnStyleLst>
+        <a:ln w="6350" cap="flat" cmpd="sng" algn="ctr">
+          <a:solidFill>
+            <a:schemeClr val="phClr"/>
+          </a:solidFill>
+          <a:prstDash val="solid"/>
+          <a:miter lim="800000"/>
+        </a:ln>
+        <a:ln w="12700" cap="flat" cmpd="sng" algn="ctr">
+          <a:solidFill>
+            <a:schemeClr val="phClr"/>
+          </a:solidFill>
+          <a:prstDash val="solid"/>
+          <a:miter lim="800000"/>
+        </a:ln>
+        <a:ln w="19050" cap="flat" cmpd="sng" algn="ctr">
+          <a:solidFill>
+            <a:schemeClr val="phClr"/>
+          </a:solidFill>
+          <a:prstDash val="solid"/>
+          <a:miter lim="800000"/>
+        </a:ln>
+      </a:lnStyleLst>
+      <a:effectStyleLst>
+        <a:effectStyle>
+          <a:effectLst/>
+        </a:effectStyle>
+        <a:effectStyle>
+          <a:effectLst/>
+        </a:effectStyle>
+        <a:effectStyle>
+          <a:effectLst>
+            <a:outerShdw blurRad="57150" dist="19050" dir="5400000" algn="ctr" rotWithShape="0">
+              <a:srgbClr val="000000">
+                <a:alpha val="63000"/>
+              </a:srgbClr>
+            </a:outerShdw>
+          </a:effectLst>
+        </a:effectStyle>
+      </a:effectStyleLst>
+      <a:bgFillStyleLst>
+        <a:solidFill>
+          <a:schemeClr val="phClr"/>
+        </a:solidFill>
+        <a:solidFill>
+          <a:schemeClr val="phClr">
+            <a:tint val="95000"/>
+            <a:satMod val="170000"/>
+          </a:schemeClr>
+        </a:solidFill>
+        <a:gradFill rotWithShape="1">
+          <a:gsLst>
+            <a:gs pos="0">
+              <a:schemeClr val="phClr">
+                <a:tint val="93000"/>
+                <a:satMod val="150000"/>
+                <a:shade val="98000"/>
+                <a:lumMod val="102000"/>
+              </a:schemeClr>
+            </a:gs>
+            <a:gs pos="50000">
+              <a:schemeClr val="phClr">
+                <a:tint val="98000"/>
+                <a:satMod val="130000"/>
+                <a:shade val="90000"/>
+                <a:lumMod val="103000"/>
+              </a:schemeClr>
+            </a:gs>
+            <a:gs pos="100000">
+              <a:schemeClr val="phClr">
+                <a:shade val="63000"/>
+                <a:satMod val="120000"/>
+              </a:schemeClr>
+            </a:gs>
+          </a:gsLst>
+          <a:lin ang="5400000" scaled="0"/>
+        </a:gradFill>
+      </a:bgFillStyleLst>
+    </a:fmtScheme>
+  </a:themeElements>
+  <a:objectDefaults/>
+  <a:extraClrSchemeLst/>
+  <a:extLst>
+    <a:ext uri="{05A4C25C-085E-4340-85A3-A5531E510DB2}">
+      <thm15:themeFamily xmlns:thm15="http://schemas.microsoft.com/office/thememl/2012/main" name="Office Theme" id="{62F939B6-93AF-4DB8-9C6B-D6C7DFDC589F}" vid="{4A3C46E8-61CC-4603-A589-7422A47A8E4A}"/>
+    </a:ext>
+  </a:extLst>
+</a:theme>
 </file>